--- a/PLPTH813Bioinformatis/2025/1_lecture/lecture02_unix.pptx
+++ b/PLPTH813Bioinformatis/2025/1_lecture/lecture02_unix.pptx
@@ -254,7 +254,7 @@
           <a:p>
             <a:fld id="{6F0533A7-41C2-DA45-995B-C61EE58338CA}" type="datetimeFigureOut">
               <a:rPr lang="en-US" smtClean="0"/>
-              <a:t>1/21/25</a:t>
+              <a:t>1/22/25</a:t>
             </a:fld>
             <a:endParaRPr lang="en-US"/>
           </a:p>
@@ -420,7 +420,7 @@
           <a:p>
             <a:fld id="{1B04314A-152B-0643-AE11-65184E823C85}" type="datetimeFigureOut">
               <a:rPr lang="en-US" smtClean="0"/>
-              <a:t>1/21/25</a:t>
+              <a:t>1/22/25</a:t>
             </a:fld>
             <a:endParaRPr lang="en-US"/>
           </a:p>
@@ -1598,7 +1598,7 @@
           <a:ln/>
           <a:extLst>
             <a:ext uri="{FAA26D3D-D897-4be2-8F04-BA451C77F1D7}">
-              <ma14:placeholderFlag xmlns:ma14="http://schemas.microsoft.com/office/mac/drawingml/2011/main" xmlns="" val="1"/>
+              <ma14:placeholderFlag xmlns="" xmlns:ma14="http://schemas.microsoft.com/office/mac/drawingml/2011/main" val="1"/>
             </a:ext>
           </a:extLst>
         </p:spPr>
@@ -1780,7 +1780,7 @@
           <a:ln/>
           <a:extLst>
             <a:ext uri="{FAA26D3D-D897-4be2-8F04-BA451C77F1D7}">
-              <ma14:placeholderFlag xmlns:ma14="http://schemas.microsoft.com/office/mac/drawingml/2011/main" xmlns="" val="1"/>
+              <ma14:placeholderFlag xmlns="" xmlns:ma14="http://schemas.microsoft.com/office/mac/drawingml/2011/main" val="1"/>
             </a:ext>
           </a:extLst>
         </p:spPr>
@@ -2090,7 +2090,7 @@
           <a:p>
             <a:fld id="{BB18E608-D3BE-4F4A-BE63-C3FEFDA4D158}" type="datetime1">
               <a:rPr lang="en-US" smtClean="0"/>
-              <a:t>1/21/25</a:t>
+              <a:t>1/22/25</a:t>
             </a:fld>
             <a:endParaRPr lang="en-US"/>
           </a:p>
@@ -2258,7 +2258,7 @@
           <a:p>
             <a:fld id="{DBC13445-452C-9441-AD30-FC1E791CAB10}" type="datetime1">
               <a:rPr lang="en-US" smtClean="0"/>
-              <a:t>1/21/25</a:t>
+              <a:t>1/22/25</a:t>
             </a:fld>
             <a:endParaRPr lang="en-US"/>
           </a:p>
@@ -2436,7 +2436,7 @@
           <a:p>
             <a:fld id="{F12E9FF6-F576-DB43-8D2C-3C9AA1C299AB}" type="datetime1">
               <a:rPr lang="en-US" smtClean="0"/>
-              <a:t>1/21/25</a:t>
+              <a:t>1/22/25</a:t>
             </a:fld>
             <a:endParaRPr lang="en-US"/>
           </a:p>
@@ -2604,7 +2604,7 @@
           <a:p>
             <a:fld id="{692B01CD-C82F-CC4F-BA37-FCE936C34E3C}" type="datetime1">
               <a:rPr lang="en-US" smtClean="0"/>
-              <a:t>1/21/25</a:t>
+              <a:t>1/22/25</a:t>
             </a:fld>
             <a:endParaRPr lang="en-US"/>
           </a:p>
@@ -2849,7 +2849,7 @@
           <a:p>
             <a:fld id="{A6E434D0-F31A-9544-8AC3-533C5051D41C}" type="datetime1">
               <a:rPr lang="en-US" smtClean="0"/>
-              <a:t>1/21/25</a:t>
+              <a:t>1/22/25</a:t>
             </a:fld>
             <a:endParaRPr lang="en-US"/>
           </a:p>
@@ -3134,7 +3134,7 @@
           <a:p>
             <a:fld id="{BFBF75C0-5A2F-2C43-B7B5-249F92FC0AE5}" type="datetime1">
               <a:rPr lang="en-US" smtClean="0"/>
-              <a:t>1/21/25</a:t>
+              <a:t>1/22/25</a:t>
             </a:fld>
             <a:endParaRPr lang="en-US"/>
           </a:p>
@@ -3553,7 +3553,7 @@
           <a:p>
             <a:fld id="{4783BAB0-87E2-1243-A738-54675A18E356}" type="datetime1">
               <a:rPr lang="en-US" smtClean="0"/>
-              <a:t>1/21/25</a:t>
+              <a:t>1/22/25</a:t>
             </a:fld>
             <a:endParaRPr lang="en-US"/>
           </a:p>
@@ -3670,7 +3670,7 @@
           <a:p>
             <a:fld id="{D3E2C62A-7EA4-644C-868F-EDC4B9012046}" type="datetime1">
               <a:rPr lang="en-US" smtClean="0"/>
-              <a:t>1/21/25</a:t>
+              <a:t>1/22/25</a:t>
             </a:fld>
             <a:endParaRPr lang="en-US"/>
           </a:p>
@@ -3765,7 +3765,7 @@
           <a:p>
             <a:fld id="{8D19949F-6253-4941-ABF0-87ABC58AA7F7}" type="datetime1">
               <a:rPr lang="en-US" smtClean="0"/>
-              <a:t>1/21/25</a:t>
+              <a:t>1/22/25</a:t>
             </a:fld>
             <a:endParaRPr lang="en-US"/>
           </a:p>
@@ -4040,7 +4040,7 @@
           <a:p>
             <a:fld id="{2EA904F2-098D-714E-B5C4-EFC0DC4669BD}" type="datetime1">
               <a:rPr lang="en-US" smtClean="0"/>
-              <a:t>1/21/25</a:t>
+              <a:t>1/22/25</a:t>
             </a:fld>
             <a:endParaRPr lang="en-US"/>
           </a:p>
@@ -4292,7 +4292,7 @@
           <a:p>
             <a:fld id="{BAC30565-FF28-204A-ABB7-570A3207DE07}" type="datetime1">
               <a:rPr lang="en-US" smtClean="0"/>
-              <a:t>1/21/25</a:t>
+              <a:t>1/22/25</a:t>
             </a:fld>
             <a:endParaRPr lang="en-US"/>
           </a:p>
@@ -4503,7 +4503,7 @@
           <a:p>
             <a:fld id="{5B839166-3640-7D44-A4BA-20887FEAA944}" type="datetime1">
               <a:rPr lang="en-US" smtClean="0"/>
-              <a:t>1/21/25</a:t>
+              <a:t>1/22/25</a:t>
             </a:fld>
             <a:endParaRPr lang="en-US"/>
           </a:p>
@@ -5345,7 +5345,7 @@
         </p:nvSpPr>
         <p:spPr>
           <a:xfrm>
-            <a:off x="4979104" y="3385101"/>
+            <a:off x="4979104" y="3393413"/>
             <a:ext cx="3707696" cy="830997"/>
           </a:xfrm>
           <a:prstGeom prst="rect">
@@ -5492,6 +5492,78 @@
                       </p:childTnLst>
                     </p:cTn>
                   </p:par>
+                  <p:par>
+                    <p:cTn id="7" fill="hold">
+                      <p:stCondLst>
+                        <p:cond delay="indefinite"/>
+                      </p:stCondLst>
+                      <p:childTnLst>
+                        <p:par>
+                          <p:cTn id="8" fill="hold">
+                            <p:stCondLst>
+                              <p:cond delay="0"/>
+                            </p:stCondLst>
+                            <p:childTnLst>
+                              <p:par>
+                                <p:cTn id="9" presetID="1" presetClass="entr" presetSubtype="0" fill="hold" grpId="0" nodeType="clickEffect">
+                                  <p:stCondLst>
+                                    <p:cond delay="0"/>
+                                  </p:stCondLst>
+                                  <p:childTnLst>
+                                    <p:set>
+                                      <p:cBhvr>
+                                        <p:cTn id="10" dur="1" fill="hold">
+                                          <p:stCondLst>
+                                            <p:cond delay="0"/>
+                                          </p:stCondLst>
+                                        </p:cTn>
+                                        <p:tgtEl>
+                                          <p:spTgt spid="5"/>
+                                        </p:tgtEl>
+                                        <p:attrNameLst>
+                                          <p:attrName>style.visibility</p:attrName>
+                                        </p:attrNameLst>
+                                      </p:cBhvr>
+                                      <p:to>
+                                        <p:strVal val="visible"/>
+                                      </p:to>
+                                    </p:set>
+                                  </p:childTnLst>
+                                </p:cTn>
+                              </p:par>
+                              <p:par>
+                                <p:cTn id="11" presetID="1" presetClass="entr" presetSubtype="0" fill="hold" grpId="0" nodeType="withEffect">
+                                  <p:stCondLst>
+                                    <p:cond delay="0"/>
+                                  </p:stCondLst>
+                                  <p:childTnLst>
+                                    <p:set>
+                                      <p:cBhvr>
+                                        <p:cTn id="12" dur="1" fill="hold">
+                                          <p:stCondLst>
+                                            <p:cond delay="0"/>
+                                          </p:stCondLst>
+                                        </p:cTn>
+                                        <p:tgtEl>
+                                          <p:spTgt spid="8"/>
+                                        </p:tgtEl>
+                                        <p:attrNameLst>
+                                          <p:attrName>style.visibility</p:attrName>
+                                        </p:attrNameLst>
+                                      </p:cBhvr>
+                                      <p:to>
+                                        <p:strVal val="visible"/>
+                                      </p:to>
+                                    </p:set>
+                                  </p:childTnLst>
+                                </p:cTn>
+                              </p:par>
+                            </p:childTnLst>
+                          </p:cTn>
+                        </p:par>
+                      </p:childTnLst>
+                    </p:cTn>
+                  </p:par>
                 </p:childTnLst>
               </p:cTn>
               <p:prevCondLst>
@@ -5515,6 +5587,8 @@
     </p:tnLst>
     <p:bldLst>
       <p:bldP spid="3" grpId="0"/>
+      <p:bldP spid="8" grpId="0"/>
+      <p:bldP spid="5" grpId="0"/>
     </p:bldLst>
   </p:timing>
 </p:sld>
@@ -6987,7 +7061,7 @@
                 <a:latin typeface="Courier"/>
                 <a:cs typeface="Courier"/>
               </a:rPr>
-              <a:t>% cd /homes/liu3zhen/teaching/</a:t>
+              <a:t>cd /homes/liu3zhen/teaching/</a:t>
             </a:r>
           </a:p>
           <a:p>
@@ -6999,7 +7073,7 @@
                 <a:latin typeface="Courier"/>
                 <a:cs typeface="Courier"/>
               </a:rPr>
-              <a:t>% cd ..</a:t>
+              <a:t>cd ..</a:t>
             </a:r>
           </a:p>
           <a:p>
@@ -7011,7 +7085,7 @@
                 <a:latin typeface="Courier"/>
                 <a:cs typeface="Courier"/>
               </a:rPr>
-              <a:t>% cd ~</a:t>
+              <a:t>cd ~</a:t>
             </a:r>
           </a:p>
           <a:p>
@@ -7023,7 +7097,7 @@
                 <a:latin typeface="Courier"/>
                 <a:cs typeface="Courier"/>
               </a:rPr>
-              <a:t>% cd ~/teaching/</a:t>
+              <a:t>cd ~/teaching/</a:t>
             </a:r>
             <a:r>
               <a:rPr lang="en-US" sz="2000" dirty="0">
@@ -7060,13 +7134,6 @@
               <a:buNone/>
             </a:pPr>
             <a:r>
-              <a:rPr lang="en-US" sz="2000" dirty="0">
-                <a:latin typeface="Courier"/>
-                <a:cs typeface="Courier"/>
-              </a:rPr>
-              <a:t>% </a:t>
-            </a:r>
-            <a:r>
               <a:rPr lang="en-US" sz="2000" dirty="0" err="1">
                 <a:latin typeface="Courier"/>
                 <a:cs typeface="Courier"/>
@@ -7100,13 +7167,6 @@
             <a:pPr marL="0" indent="0">
               <a:buNone/>
             </a:pPr>
-            <a:r>
-              <a:rPr lang="en-US" sz="2000" dirty="0">
-                <a:latin typeface="Courier"/>
-                <a:cs typeface="Courier"/>
-              </a:rPr>
-              <a:t>% </a:t>
-            </a:r>
             <a:r>
               <a:rPr lang="en-US" sz="2000" dirty="0" err="1">
                 <a:latin typeface="Courier"/>
@@ -7536,19 +7596,8 @@
                 <a:latin typeface="Courier"/>
                 <a:cs typeface="Courier"/>
               </a:rPr>
-              <a:t>% </a:t>
-            </a:r>
-            <a:r>
-              <a:rPr lang="en-US" sz="2000" dirty="0" err="1">
-                <a:latin typeface="Courier"/>
-                <a:cs typeface="Courier"/>
-              </a:rPr>
               <a:t>ls</a:t>
             </a:r>
-            <a:endParaRPr lang="en-US" sz="2000" dirty="0">
-              <a:latin typeface="Courier"/>
-              <a:cs typeface="Courier"/>
-            </a:endParaRPr>
           </a:p>
           <a:p>
             <a:r>
@@ -7586,21 +7635,7 @@
                 <a:latin typeface="Courier"/>
                 <a:cs typeface="Courier"/>
               </a:rPr>
-              <a:t>% </a:t>
-            </a:r>
-            <a:r>
-              <a:rPr lang="en-US" sz="2000" dirty="0" err="1">
-                <a:latin typeface="Courier"/>
-                <a:cs typeface="Courier"/>
-              </a:rPr>
-              <a:t>ls</a:t>
-            </a:r>
-            <a:r>
-              <a:rPr lang="en-US" sz="2000" dirty="0">
-                <a:latin typeface="Courier"/>
-                <a:cs typeface="Courier"/>
-              </a:rPr>
-              <a:t> -1 </a:t>
+              <a:t>ls -1 </a:t>
             </a:r>
           </a:p>
           <a:p>
@@ -7638,21 +7673,7 @@
                 <a:latin typeface="Courier"/>
                 <a:cs typeface="Courier"/>
               </a:rPr>
-              <a:t>% </a:t>
-            </a:r>
-            <a:r>
-              <a:rPr lang="en-US" sz="2000" dirty="0" err="1">
-                <a:latin typeface="Courier"/>
-                <a:cs typeface="Courier"/>
-              </a:rPr>
-              <a:t>ls</a:t>
-            </a:r>
-            <a:r>
-              <a:rPr lang="en-US" sz="2000" dirty="0">
-                <a:latin typeface="Courier"/>
-                <a:cs typeface="Courier"/>
-              </a:rPr>
-              <a:t> -la</a:t>
+              <a:t>ls -la</a:t>
             </a:r>
           </a:p>
           <a:p>
@@ -10155,7 +10176,7 @@
         <p:spPr>
           <a:xfrm>
             <a:off x="557617" y="1457873"/>
-            <a:ext cx="4063282" cy="461665"/>
+            <a:ext cx="3687228" cy="461665"/>
           </a:xfrm>
           <a:prstGeom prst="rect">
             <a:avLst/>
@@ -10167,13 +10188,6 @@
           </a:bodyPr>
           <a:lstStyle/>
           <a:p>
-            <a:r>
-              <a:rPr lang="en-US" sz="2400" dirty="0">
-                <a:latin typeface="Courier"/>
-                <a:cs typeface="Courier"/>
-              </a:rPr>
-              <a:t>% </a:t>
-            </a:r>
             <a:r>
               <a:rPr lang="en-US" sz="2400" dirty="0" err="1">
                 <a:latin typeface="Courier"/>
@@ -10351,7 +10365,7 @@
         <p:spPr>
           <a:xfrm>
             <a:off x="557617" y="2409577"/>
-            <a:ext cx="4247978" cy="461665"/>
+            <a:ext cx="3871573" cy="461665"/>
           </a:xfrm>
           <a:prstGeom prst="rect">
             <a:avLst/>
@@ -10364,39 +10378,18 @@
           <a:lstStyle/>
           <a:p>
             <a:r>
+              <a:rPr lang="en-US" sz="2400" dirty="0" err="1">
+                <a:latin typeface="Courier"/>
+                <a:cs typeface="Courier"/>
+              </a:rPr>
+              <a:t>chmod</a:t>
+            </a:r>
+            <a:r>
               <a:rPr lang="en-US" sz="2400" dirty="0">
                 <a:latin typeface="Courier"/>
                 <a:cs typeface="Courier"/>
               </a:rPr>
-              <a:t>% </a:t>
-            </a:r>
-            <a:r>
-              <a:rPr lang="en-US" sz="2400" dirty="0" err="1">
-                <a:latin typeface="Courier"/>
-                <a:cs typeface="Courier"/>
-              </a:rPr>
-              <a:t>chmod</a:t>
-            </a:r>
-            <a:r>
-              <a:rPr lang="en-US" sz="2400" dirty="0">
-                <a:latin typeface="Courier"/>
-                <a:cs typeface="Courier"/>
-              </a:rPr>
-              <a:t> </a:t>
-            </a:r>
-            <a:r>
-              <a:rPr lang="en-US" sz="2400" dirty="0" err="1">
-                <a:latin typeface="Courier"/>
-                <a:cs typeface="Courier"/>
-              </a:rPr>
-              <a:t>ug</a:t>
-            </a:r>
-            <a:r>
-              <a:rPr lang="en-US" sz="2400" dirty="0">
-                <a:latin typeface="Courier"/>
-                <a:cs typeface="Courier"/>
-              </a:rPr>
-              <a:t>-w </a:t>
+              <a:t> ug-w </a:t>
             </a:r>
             <a:r>
               <a:rPr lang="en-US" sz="2400" dirty="0" err="1">
@@ -10463,7 +10456,7 @@
         <p:spPr>
           <a:xfrm>
             <a:off x="557617" y="3343483"/>
-            <a:ext cx="4986762" cy="461665"/>
+            <a:ext cx="4608954" cy="461665"/>
           </a:xfrm>
           <a:prstGeom prst="rect">
             <a:avLst/>
@@ -10475,13 +10468,6 @@
           </a:bodyPr>
           <a:lstStyle/>
           <a:p>
-            <a:r>
-              <a:rPr lang="en-US" sz="2400" dirty="0">
-                <a:latin typeface="Courier"/>
-                <a:cs typeface="Courier"/>
-              </a:rPr>
-              <a:t>% </a:t>
-            </a:r>
             <a:r>
               <a:rPr lang="en-US" sz="2400" dirty="0" err="1">
                 <a:latin typeface="Courier"/>
@@ -10940,7 +10926,7 @@
                 <a:latin typeface="Courier"/>
                 <a:cs typeface="Courier"/>
               </a:rPr>
-              <a:t>% cp </a:t>
+              <a:t>cp </a:t>
             </a:r>
             <a:r>
               <a:rPr lang="en-US" sz="2000" dirty="0" err="1">
@@ -11221,7 +11207,7 @@
                 <a:latin typeface="Courier"/>
                 <a:cs typeface="Courier"/>
               </a:rPr>
-              <a:t>% mv </a:t>
+              <a:t>mv </a:t>
             </a:r>
             <a:r>
               <a:rPr lang="en-US" sz="2000" dirty="0" err="1">
@@ -11459,7 +11445,7 @@
                 <a:latin typeface="Courier"/>
                 <a:cs typeface="Courier"/>
               </a:rPr>
-              <a:t>% rm </a:t>
+              <a:t>rm </a:t>
             </a:r>
             <a:r>
               <a:rPr lang="en-US" sz="2000" dirty="0" err="1">
@@ -11784,7 +11770,7 @@
                 <a:latin typeface="Courier"/>
                 <a:cs typeface="Courier"/>
               </a:rPr>
-              <a:t>% head </a:t>
+              <a:t>head </a:t>
             </a:r>
             <a:r>
               <a:rPr lang="en-US" sz="2900" dirty="0" err="1">
@@ -12151,7 +12137,7 @@
                 <a:latin typeface="Courier"/>
                 <a:cs typeface="Courier"/>
               </a:rPr>
-              <a:t>% tail </a:t>
+              <a:t>tail </a:t>
             </a:r>
             <a:r>
               <a:rPr lang="en-US" sz="2900" dirty="0" err="1">
@@ -12481,7 +12467,7 @@
                 <a:latin typeface="Courier"/>
                 <a:cs typeface="Courier"/>
               </a:rPr>
-              <a:t>% less filename</a:t>
+              <a:t>less filename</a:t>
             </a:r>
           </a:p>
           <a:p>
@@ -12508,7 +12494,7 @@
                 <a:latin typeface="Courier"/>
                 <a:cs typeface="Courier"/>
               </a:rPr>
-              <a:t>% less -N filename</a:t>
+              <a:t>less -N filename</a:t>
             </a:r>
             <a:endParaRPr lang="en-US" dirty="0"/>
           </a:p>
@@ -12521,7 +12507,7 @@
                 <a:latin typeface="Courier"/>
                 <a:cs typeface="Courier"/>
               </a:rPr>
-              <a:t>% more </a:t>
+              <a:t>more </a:t>
             </a:r>
             <a:r>
               <a:rPr lang="en-US" dirty="0" err="1">
@@ -12544,7 +12530,7 @@
                 <a:latin typeface="Courier"/>
                 <a:cs typeface="Courier"/>
               </a:rPr>
-              <a:t>% less </a:t>
+              <a:t>less </a:t>
             </a:r>
             <a:r>
               <a:rPr lang="en-US" dirty="0" err="1">
@@ -12647,8 +12633,8 @@
         </p:nvSpPr>
         <p:spPr>
           <a:xfrm>
-            <a:off x="389468" y="888030"/>
-            <a:ext cx="8754532" cy="2797554"/>
+            <a:off x="522472" y="946975"/>
+            <a:ext cx="7973136" cy="3659032"/>
           </a:xfrm>
         </p:spPr>
         <p:txBody>
@@ -12689,34 +12675,34 @@
               <a:buNone/>
             </a:pPr>
             <a:r>
-              <a:rPr lang="en-US" sz="2000" dirty="0">
+              <a:rPr lang="en-US" dirty="0">
                 <a:latin typeface="Courier"/>
                 <a:cs typeface="Courier"/>
               </a:rPr>
-              <a:t>% cat </a:t>
-            </a:r>
-            <a:r>
-              <a:rPr lang="en-US" sz="2000" dirty="0" err="1">
+              <a:t>cat </a:t>
+            </a:r>
+            <a:r>
+              <a:rPr lang="en-US" dirty="0" err="1">
                 <a:latin typeface="Courier"/>
                 <a:cs typeface="Courier"/>
               </a:rPr>
               <a:t>adult.txt</a:t>
             </a:r>
             <a:r>
-              <a:rPr lang="en-US" sz="2000" dirty="0">
+              <a:rPr lang="en-US" dirty="0">
                 <a:latin typeface="Courier"/>
                 <a:cs typeface="Courier"/>
               </a:rPr>
               <a:t> </a:t>
             </a:r>
             <a:r>
-              <a:rPr lang="en-US" sz="2000" dirty="0" err="1">
+              <a:rPr lang="en-US" dirty="0" err="1">
                 <a:latin typeface="Courier"/>
                 <a:cs typeface="Courier"/>
               </a:rPr>
               <a:t>youth.txt</a:t>
             </a:r>
-            <a:endParaRPr lang="en-US" sz="2000" dirty="0">
+            <a:endParaRPr lang="en-US" dirty="0">
               <a:latin typeface="Courier"/>
               <a:cs typeface="Courier"/>
             </a:endParaRPr>
@@ -12725,7 +12711,7 @@
             <a:pPr marL="0" indent="0">
               <a:buNone/>
             </a:pPr>
-            <a:endParaRPr lang="en-US" sz="2000" dirty="0">
+            <a:endParaRPr lang="en-US" dirty="0">
               <a:latin typeface="Courier"/>
               <a:cs typeface="Courier"/>
             </a:endParaRPr>
@@ -12734,7 +12720,7 @@
             <a:pPr marL="0" indent="0">
               <a:buNone/>
             </a:pPr>
-            <a:endParaRPr lang="en-US" sz="2000" dirty="0">
+            <a:endParaRPr lang="en-US" dirty="0">
               <a:latin typeface="Courier"/>
               <a:cs typeface="Courier"/>
             </a:endParaRPr>
@@ -12744,48 +12730,48 @@
               <a:buNone/>
             </a:pPr>
             <a:r>
-              <a:rPr lang="en-US" sz="2000" dirty="0">
+              <a:rPr lang="en-US" dirty="0">
                 <a:latin typeface="Courier"/>
                 <a:cs typeface="Courier"/>
               </a:rPr>
-              <a:t>% cat </a:t>
-            </a:r>
-            <a:r>
-              <a:rPr lang="en-US" sz="2000" dirty="0" err="1">
+              <a:t>cat </a:t>
+            </a:r>
+            <a:r>
+              <a:rPr lang="en-US" dirty="0" err="1">
                 <a:latin typeface="Courier"/>
                 <a:cs typeface="Courier"/>
               </a:rPr>
               <a:t>adult.txt</a:t>
             </a:r>
             <a:r>
-              <a:rPr lang="en-US" sz="2000" dirty="0">
+              <a:rPr lang="en-US" dirty="0">
                 <a:latin typeface="Courier"/>
                 <a:cs typeface="Courier"/>
               </a:rPr>
               <a:t> </a:t>
             </a:r>
             <a:r>
-              <a:rPr lang="en-US" sz="2000" dirty="0" err="1">
+              <a:rPr lang="en-US" dirty="0" err="1">
                 <a:latin typeface="Courier"/>
                 <a:cs typeface="Courier"/>
               </a:rPr>
               <a:t>youth.txt</a:t>
             </a:r>
             <a:r>
-              <a:rPr lang="en-US" sz="2000" dirty="0">
+              <a:rPr lang="en-US" dirty="0">
                 <a:latin typeface="Courier"/>
                 <a:cs typeface="Courier"/>
               </a:rPr>
               <a:t> &gt; </a:t>
             </a:r>
             <a:r>
-              <a:rPr lang="en-US" sz="2000" dirty="0" err="1">
+              <a:rPr lang="en-US" dirty="0" err="1">
                 <a:latin typeface="Courier"/>
                 <a:cs typeface="Courier"/>
               </a:rPr>
               <a:t>two.cat.txt</a:t>
             </a:r>
-            <a:endParaRPr lang="en-US" sz="2000" dirty="0">
+            <a:endParaRPr lang="en-US" dirty="0">
               <a:latin typeface="Courier"/>
               <a:cs typeface="Courier"/>
             </a:endParaRPr>
@@ -12795,7 +12781,7 @@
               <a:buNone/>
             </a:pPr>
             <a:r>
-              <a:rPr lang="en-US" sz="2000" b="1" dirty="0">
+              <a:rPr lang="en-US" b="1" dirty="0">
                 <a:solidFill>
                   <a:srgbClr val="FF0000"/>
                 </a:solidFill>
@@ -12911,7 +12897,7 @@
         <p:spPr>
           <a:xfrm>
             <a:off x="457200" y="1137411"/>
-            <a:ext cx="7673877" cy="940771"/>
+            <a:ext cx="8429105" cy="940771"/>
           </a:xfrm>
         </p:spPr>
         <p:txBody>
@@ -12946,48 +12932,48 @@
               <a:buNone/>
             </a:pPr>
             <a:r>
-              <a:rPr lang="en-US" sz="1900" dirty="0">
+              <a:rPr lang="en-US" dirty="0">
                 <a:latin typeface="Courier"/>
                 <a:cs typeface="Courier"/>
               </a:rPr>
-              <a:t>% paste </a:t>
-            </a:r>
-            <a:r>
-              <a:rPr lang="en-US" sz="1900" dirty="0" err="1">
+              <a:t>paste </a:t>
+            </a:r>
+            <a:r>
+              <a:rPr lang="en-US" dirty="0" err="1">
                 <a:latin typeface="Courier"/>
                 <a:cs typeface="Courier"/>
               </a:rPr>
               <a:t>adult.txt</a:t>
             </a:r>
             <a:r>
-              <a:rPr lang="en-US" sz="1900" dirty="0">
+              <a:rPr lang="en-US" dirty="0">
                 <a:latin typeface="Courier"/>
                 <a:cs typeface="Courier"/>
               </a:rPr>
               <a:t> </a:t>
             </a:r>
             <a:r>
-              <a:rPr lang="en-US" sz="1900" dirty="0" err="1">
+              <a:rPr lang="en-US" dirty="0" err="1">
                 <a:latin typeface="Courier"/>
                 <a:cs typeface="Courier"/>
               </a:rPr>
               <a:t>youth.txt</a:t>
             </a:r>
             <a:r>
-              <a:rPr lang="en-US" sz="1900" dirty="0">
+              <a:rPr lang="en-US" dirty="0">
                 <a:latin typeface="Courier"/>
                 <a:cs typeface="Courier"/>
               </a:rPr>
               <a:t> &gt; </a:t>
             </a:r>
             <a:r>
-              <a:rPr lang="en-US" sz="1900" dirty="0" err="1">
+              <a:rPr lang="en-US" dirty="0" err="1">
                 <a:latin typeface="Courier"/>
                 <a:cs typeface="Courier"/>
               </a:rPr>
               <a:t>two.merge.txt</a:t>
             </a:r>
-            <a:endParaRPr lang="en-US" sz="1900" dirty="0">
+            <a:endParaRPr lang="en-US" dirty="0">
               <a:latin typeface="Courier"/>
               <a:cs typeface="Courier"/>
             </a:endParaRPr>
@@ -14090,8 +14076,8 @@
         </p:nvSpPr>
         <p:spPr>
           <a:xfrm>
-            <a:off x="707301" y="887106"/>
-            <a:ext cx="7694948" cy="3729655"/>
+            <a:off x="724526" y="836412"/>
+            <a:ext cx="7694948" cy="3880157"/>
           </a:xfrm>
         </p:spPr>
         <p:txBody>
@@ -14124,34 +14110,27 @@
               <a:buNone/>
             </a:pPr>
             <a:r>
-              <a:rPr lang="en-US" dirty="0">
+              <a:rPr lang="en-US" sz="2600" dirty="0" err="1">
                 <a:latin typeface="Courier"/>
                 <a:cs typeface="Courier"/>
               </a:rPr>
-              <a:t>% </a:t>
-            </a:r>
-            <a:r>
-              <a:rPr lang="en-US" dirty="0" err="1">
+              <a:t>wc</a:t>
+            </a:r>
+            <a:r>
+              <a:rPr lang="en-US" sz="2600" dirty="0">
                 <a:latin typeface="Courier"/>
                 <a:cs typeface="Courier"/>
               </a:rPr>
-              <a:t>wc</a:t>
-            </a:r>
-            <a:r>
-              <a:rPr lang="en-US" dirty="0">
+              <a:t> </a:t>
+            </a:r>
+            <a:r>
+              <a:rPr lang="en-US" sz="2600" dirty="0" err="1">
                 <a:latin typeface="Courier"/>
                 <a:cs typeface="Courier"/>
               </a:rPr>
-              <a:t> </a:t>
-            </a:r>
-            <a:r>
-              <a:rPr lang="en-US" dirty="0" err="1">
-                <a:latin typeface="Courier"/>
-                <a:cs typeface="Courier"/>
-              </a:rPr>
               <a:t>adult.txt</a:t>
             </a:r>
-            <a:endParaRPr lang="en-US" dirty="0">
+            <a:endParaRPr lang="en-US" sz="2600" dirty="0">
               <a:latin typeface="Courier"/>
               <a:cs typeface="Courier"/>
             </a:endParaRPr>
@@ -14181,34 +14160,27 @@
               <a:buNone/>
             </a:pPr>
             <a:r>
-              <a:rPr lang="en-US" dirty="0">
+              <a:rPr lang="en-US" sz="2600" dirty="0" err="1">
                 <a:latin typeface="Courier"/>
                 <a:cs typeface="Courier"/>
               </a:rPr>
-              <a:t>% </a:t>
-            </a:r>
-            <a:r>
-              <a:rPr lang="en-US" dirty="0" err="1">
+              <a:t>wc</a:t>
+            </a:r>
+            <a:r>
+              <a:rPr lang="en-US" sz="2600" dirty="0">
                 <a:latin typeface="Courier"/>
                 <a:cs typeface="Courier"/>
               </a:rPr>
-              <a:t>wc</a:t>
-            </a:r>
-            <a:r>
-              <a:rPr lang="en-US" dirty="0">
+              <a:t> -l </a:t>
+            </a:r>
+            <a:r>
+              <a:rPr lang="en-US" sz="2600" dirty="0" err="1">
                 <a:latin typeface="Courier"/>
                 <a:cs typeface="Courier"/>
               </a:rPr>
-              <a:t> -l </a:t>
-            </a:r>
-            <a:r>
-              <a:rPr lang="en-US" dirty="0" err="1">
-                <a:latin typeface="Courier"/>
-                <a:cs typeface="Courier"/>
-              </a:rPr>
               <a:t>adult.txt</a:t>
             </a:r>
-            <a:endParaRPr lang="en-US" dirty="0">
+            <a:endParaRPr lang="en-US" sz="2600" dirty="0">
               <a:latin typeface="Courier"/>
               <a:cs typeface="Courier"/>
             </a:endParaRPr>
@@ -14238,34 +14210,27 @@
               <a:buNone/>
             </a:pPr>
             <a:r>
-              <a:rPr lang="en-US" dirty="0">
+              <a:rPr lang="en-US" sz="2600" dirty="0" err="1">
                 <a:latin typeface="Courier"/>
                 <a:cs typeface="Courier"/>
               </a:rPr>
-              <a:t>% </a:t>
-            </a:r>
-            <a:r>
-              <a:rPr lang="en-US" dirty="0" err="1">
+              <a:t>wc</a:t>
+            </a:r>
+            <a:r>
+              <a:rPr lang="en-US" sz="2600" dirty="0">
                 <a:latin typeface="Courier"/>
                 <a:cs typeface="Courier"/>
               </a:rPr>
-              <a:t>wc</a:t>
-            </a:r>
-            <a:r>
-              <a:rPr lang="en-US" dirty="0">
+              <a:t> -l </a:t>
+            </a:r>
+            <a:r>
+              <a:rPr lang="en-US" sz="2600" dirty="0" err="1">
                 <a:latin typeface="Courier"/>
                 <a:cs typeface="Courier"/>
               </a:rPr>
-              <a:t> -l </a:t>
-            </a:r>
-            <a:r>
-              <a:rPr lang="en-US" dirty="0" err="1">
-                <a:latin typeface="Courier"/>
-                <a:cs typeface="Courier"/>
-              </a:rPr>
               <a:t>two.cat.txt</a:t>
             </a:r>
-            <a:endParaRPr lang="en-US" dirty="0">
+            <a:endParaRPr lang="en-US" sz="2600" dirty="0">
               <a:latin typeface="Courier"/>
               <a:cs typeface="Courier"/>
             </a:endParaRPr>
@@ -14779,21 +14744,7 @@
                 <a:latin typeface="Courier"/>
                 <a:cs typeface="Courier"/>
               </a:rPr>
-              <a:t>% </a:t>
-            </a:r>
-            <a:r>
-              <a:rPr lang="en-US" dirty="0" err="1">
-                <a:latin typeface="Courier"/>
-                <a:cs typeface="Courier"/>
-              </a:rPr>
-              <a:t>grep</a:t>
-            </a:r>
-            <a:r>
-              <a:rPr lang="en-US" dirty="0">
-                <a:latin typeface="Courier"/>
-                <a:cs typeface="Courier"/>
-              </a:rPr>
-              <a:t> "Kansas" </a:t>
+              <a:t>grep "Kansas" </a:t>
             </a:r>
             <a:r>
               <a:rPr lang="en-US" dirty="0" err="1">
@@ -14834,21 +14785,7 @@
                 <a:latin typeface="Courier"/>
                 <a:cs typeface="Courier"/>
               </a:rPr>
-              <a:t>% </a:t>
-            </a:r>
-            <a:r>
-              <a:rPr lang="en-US" dirty="0" err="1">
-                <a:latin typeface="Courier"/>
-                <a:cs typeface="Courier"/>
-              </a:rPr>
-              <a:t>grep</a:t>
-            </a:r>
-            <a:r>
-              <a:rPr lang="en-US" dirty="0">
-                <a:latin typeface="Courier"/>
-                <a:cs typeface="Courier"/>
-              </a:rPr>
-              <a:t> "#" </a:t>
+              <a:t>grep "#" </a:t>
             </a:r>
             <a:r>
               <a:rPr lang="en-US" dirty="0" err="1">
@@ -15174,21 +15111,7 @@
                 <a:latin typeface="Courier"/>
                 <a:cs typeface="Courier"/>
               </a:rPr>
-              <a:t>% </a:t>
-            </a:r>
-            <a:r>
-              <a:rPr lang="en-US" sz="2000" dirty="0" err="1">
-                <a:latin typeface="Courier"/>
-                <a:cs typeface="Courier"/>
-              </a:rPr>
-              <a:t>grep</a:t>
-            </a:r>
-            <a:r>
-              <a:rPr lang="en-US" sz="2000" dirty="0">
-                <a:latin typeface="Courier"/>
-                <a:cs typeface="Courier"/>
-              </a:rPr>
-              <a:t> -e Kansas -e Alaska </a:t>
+              <a:t>grep -e Kansas -e Alaska </a:t>
             </a:r>
             <a:r>
               <a:rPr lang="en-US" sz="2000" dirty="0" err="1">
@@ -15238,7 +15161,7 @@
                 <a:latin typeface="Courier"/>
                 <a:cs typeface="Courier"/>
               </a:rPr>
-              <a:t>% grep -v -e Kansas -e Alaska </a:t>
+              <a:t>grep -v -e Kansas -e Alaska </a:t>
             </a:r>
             <a:r>
               <a:rPr lang="en-US" sz="2000" dirty="0" err="1">
@@ -16778,7 +16701,7 @@
                 <a:latin typeface="Courier"/>
                 <a:cs typeface="Courier"/>
               </a:rPr>
-              <a:t>% cut </a:t>
+              <a:t>cut </a:t>
             </a:r>
             <a:r>
               <a:rPr lang="en-US" dirty="0" err="1">
@@ -17725,7 +17648,7 @@
                 <a:latin typeface="Courier"/>
                 <a:cs typeface="Courier"/>
               </a:rPr>
-              <a:t>% cut </a:t>
+              <a:t>cut </a:t>
             </a:r>
             <a:r>
               <a:rPr lang="en-US" dirty="0" err="1">
@@ -18234,7 +18157,15 @@
             </a:pPr>
             <a:r>
               <a:rPr lang="en-US" dirty="0"/>
-              <a:t>Pipe is a method of inter-process communication</a:t>
+              <a:t>Pipe is a method of </a:t>
+            </a:r>
+            <a:r>
+              <a:rPr lang="en-US" dirty="0" err="1"/>
+              <a:t>interprocess</a:t>
+            </a:r>
+            <a:r>
+              <a:rPr lang="en-US" dirty="0"/>
+              <a:t> communication</a:t>
             </a:r>
           </a:p>
           <a:p>
@@ -18909,7 +18840,7 @@
                 <a:latin typeface="Courier"/>
                 <a:cs typeface="Courier"/>
               </a:rPr>
-              <a:t>% head </a:t>
+              <a:t>head </a:t>
             </a:r>
             <a:r>
               <a:rPr lang="en-US" sz="1600" b="1" dirty="0" err="1">
@@ -19115,13 +19046,6 @@
               <a:buNone/>
             </a:pPr>
             <a:r>
-              <a:rPr lang="en-US" sz="1800" dirty="0">
-                <a:latin typeface="Courier"/>
-                <a:cs typeface="Courier"/>
-              </a:rPr>
-              <a:t>% </a:t>
-            </a:r>
-            <a:r>
               <a:rPr lang="en-US" sz="1800" b="1" dirty="0">
                 <a:solidFill>
                   <a:schemeClr val="tx2">
@@ -19166,21 +19090,7 @@
                 <a:latin typeface="Courier"/>
                 <a:cs typeface="Courier"/>
               </a:rPr>
-              <a:t> | </a:t>
-            </a:r>
-            <a:r>
-              <a:rPr lang="en-US" sz="1800" dirty="0" err="1">
-                <a:latin typeface="Courier"/>
-                <a:cs typeface="Courier"/>
-              </a:rPr>
-              <a:t>grep</a:t>
-            </a:r>
-            <a:r>
-              <a:rPr lang="en-US" sz="1800" dirty="0">
-                <a:latin typeface="Courier"/>
-                <a:cs typeface="Courier"/>
-              </a:rPr>
-              <a:t> "#" -v | cut -f 1,2,4 | head</a:t>
+              <a:t> | grep "#" -v | cut -f 1,2,4 | head</a:t>
             </a:r>
           </a:p>
         </p:txBody>
@@ -23723,7 +23633,7 @@
             </a:pPr>
             <a:r>
               <a:rPr lang="en-US" sz="2000" dirty="0"/>
-              <a:t>% date</a:t>
+              <a:t>date</a:t>
             </a:r>
           </a:p>
           <a:p>
@@ -23749,10 +23659,6 @@
               <a:buNone/>
             </a:pPr>
             <a:r>
-              <a:rPr lang="en-US" sz="2000" dirty="0"/>
-              <a:t>% </a:t>
-            </a:r>
-            <a:r>
               <a:rPr lang="en-US" sz="2000" dirty="0" err="1"/>
               <a:t>cal</a:t>
             </a:r>
@@ -23817,7 +23723,7 @@
               <a:rPr lang="en-US" sz="2000" dirty="0">
                 <a:latin typeface="+mj-lt"/>
               </a:rPr>
-              <a:t>% sleep 2 	# 2-second pause</a:t>
+              <a:t>sleep 2 	# 2-second pause</a:t>
             </a:r>
           </a:p>
           <a:p>
@@ -23828,7 +23734,7 @@
               <a:rPr lang="en-US" sz="2000" dirty="0">
                 <a:latin typeface="+mj-lt"/>
               </a:rPr>
-              <a:t>% sleep 1h</a:t>
+              <a:t>sleep 1h</a:t>
             </a:r>
           </a:p>
         </p:txBody>
@@ -23989,7 +23895,7 @@
             </a:pPr>
             <a:r>
               <a:rPr lang="en-US" dirty="0"/>
-              <a:t>% history</a:t>
+              <a:t>history</a:t>
             </a:r>
           </a:p>
           <a:p>
@@ -24018,7 +23924,7 @@
             </a:pPr>
             <a:r>
               <a:rPr lang="en-US" dirty="0"/>
-              <a:t>% clear</a:t>
+              <a:t>clear</a:t>
             </a:r>
           </a:p>
         </p:txBody>
@@ -24123,7 +24029,7 @@
         </p:nvSpPr>
         <p:spPr>
           <a:xfrm>
-            <a:off x="798089" y="823113"/>
+            <a:off x="798089" y="789861"/>
             <a:ext cx="7660111" cy="4046724"/>
           </a:xfrm>
         </p:spPr>
@@ -24149,19 +24055,8 @@
                 <a:latin typeface="Courier"/>
                 <a:cs typeface="Courier"/>
               </a:rPr>
-              <a:t>% man </a:t>
-            </a:r>
-            <a:r>
-              <a:rPr lang="en-US" dirty="0" err="1">
-                <a:latin typeface="Courier"/>
-                <a:cs typeface="Courier"/>
-              </a:rPr>
-              <a:t>grep</a:t>
-            </a:r>
-            <a:endParaRPr lang="en-US" dirty="0">
-              <a:latin typeface="Courier"/>
-              <a:cs typeface="Courier"/>
-            </a:endParaRPr>
+              <a:t>man grep</a:t>
+            </a:r>
           </a:p>
           <a:p>
             <a:pPr marL="0" indent="0">
@@ -24216,7 +24111,7 @@
               <a:rPr lang="en-US" dirty="0">
                 <a:latin typeface="+mj-lt"/>
               </a:rPr>
-              <a:t>Ask questions</a:t>
+              <a:t>Ask questions to others or ChatGPT</a:t>
             </a:r>
           </a:p>
         </p:txBody>

--- a/PLPTH813Bioinformatis/2025/1_lecture/lecture02_unix.pptx
+++ b/PLPTH813Bioinformatis/2025/1_lecture/lecture02_unix.pptx
@@ -5,10 +5,10 @@
     <p:sldMasterId id="2147483648" r:id="rId1"/>
   </p:sldMasterIdLst>
   <p:notesMasterIdLst>
-    <p:notesMasterId r:id="rId46"/>
+    <p:notesMasterId r:id="rId47"/>
   </p:notesMasterIdLst>
   <p:handoutMasterIdLst>
-    <p:handoutMasterId r:id="rId47"/>
+    <p:handoutMasterId r:id="rId48"/>
   </p:handoutMasterIdLst>
   <p:sldIdLst>
     <p:sldId id="256" r:id="rId2"/>
@@ -40,21 +40,22 @@
     <p:sldId id="359" r:id="rId28"/>
     <p:sldId id="391" r:id="rId29"/>
     <p:sldId id="352" r:id="rId30"/>
-    <p:sldId id="360" r:id="rId31"/>
-    <p:sldId id="369" r:id="rId32"/>
-    <p:sldId id="362" r:id="rId33"/>
-    <p:sldId id="354" r:id="rId34"/>
-    <p:sldId id="355" r:id="rId35"/>
-    <p:sldId id="368" r:id="rId36"/>
-    <p:sldId id="356" r:id="rId37"/>
-    <p:sldId id="372" r:id="rId38"/>
-    <p:sldId id="373" r:id="rId39"/>
-    <p:sldId id="378" r:id="rId40"/>
-    <p:sldId id="380" r:id="rId41"/>
-    <p:sldId id="388" r:id="rId42"/>
-    <p:sldId id="383" r:id="rId43"/>
-    <p:sldId id="336" r:id="rId44"/>
-    <p:sldId id="346" r:id="rId45"/>
+    <p:sldId id="392" r:id="rId31"/>
+    <p:sldId id="360" r:id="rId32"/>
+    <p:sldId id="369" r:id="rId33"/>
+    <p:sldId id="362" r:id="rId34"/>
+    <p:sldId id="354" r:id="rId35"/>
+    <p:sldId id="355" r:id="rId36"/>
+    <p:sldId id="368" r:id="rId37"/>
+    <p:sldId id="356" r:id="rId38"/>
+    <p:sldId id="372" r:id="rId39"/>
+    <p:sldId id="373" r:id="rId40"/>
+    <p:sldId id="378" r:id="rId41"/>
+    <p:sldId id="380" r:id="rId42"/>
+    <p:sldId id="388" r:id="rId43"/>
+    <p:sldId id="383" r:id="rId44"/>
+    <p:sldId id="336" r:id="rId45"/>
+    <p:sldId id="346" r:id="rId46"/>
   </p:sldIdLst>
   <p:sldSz cx="9144000" cy="5143500" type="screen16x9"/>
   <p:notesSz cx="6858000" cy="9144000"/>
@@ -254,7 +255,7 @@
           <a:p>
             <a:fld id="{6F0533A7-41C2-DA45-995B-C61EE58338CA}" type="datetimeFigureOut">
               <a:rPr lang="en-US" smtClean="0"/>
-              <a:t>1/22/25</a:t>
+              <a:t>1/23/25</a:t>
             </a:fld>
             <a:endParaRPr lang="en-US"/>
           </a:p>
@@ -420,7 +421,7 @@
           <a:p>
             <a:fld id="{1B04314A-152B-0643-AE11-65184E823C85}" type="datetimeFigureOut">
               <a:rPr lang="en-US" smtClean="0"/>
-              <a:t>1/22/25</a:t>
+              <a:t>1/23/25</a:t>
             </a:fld>
             <a:endParaRPr lang="en-US"/>
           </a:p>
@@ -853,7 +854,7 @@
           <a:p>
             <a:fld id="{5A8CDD03-0606-D84C-8E82-53044046AB9F}" type="slidenum">
               <a:rPr lang="en-US" smtClean="0"/>
-              <a:t>30</a:t>
+              <a:t>31</a:t>
             </a:fld>
             <a:endParaRPr lang="en-US"/>
           </a:p>
@@ -937,7 +938,7 @@
           <a:p>
             <a:fld id="{5A8CDD03-0606-D84C-8E82-53044046AB9F}" type="slidenum">
               <a:rPr lang="en-US" smtClean="0"/>
-              <a:t>33</a:t>
+              <a:t>34</a:t>
             </a:fld>
             <a:endParaRPr lang="en-US"/>
           </a:p>
@@ -1040,7 +1041,7 @@
           <a:p>
             <a:fld id="{5A8CDD03-0606-D84C-8E82-53044046AB9F}" type="slidenum">
               <a:rPr lang="en-US" smtClean="0"/>
-              <a:t>35</a:t>
+              <a:t>36</a:t>
             </a:fld>
             <a:endParaRPr lang="en-US"/>
           </a:p>
@@ -1129,7 +1130,7 @@
           <a:p>
             <a:fld id="{5A8CDD03-0606-D84C-8E82-53044046AB9F}" type="slidenum">
               <a:rPr lang="en-US" smtClean="0"/>
-              <a:t>42</a:t>
+              <a:t>43</a:t>
             </a:fld>
             <a:endParaRPr lang="en-US"/>
           </a:p>
@@ -1598,7 +1599,7 @@
           <a:ln/>
           <a:extLst>
             <a:ext uri="{FAA26D3D-D897-4be2-8F04-BA451C77F1D7}">
-              <ma14:placeholderFlag xmlns="" xmlns:ma14="http://schemas.microsoft.com/office/mac/drawingml/2011/main" val="1"/>
+              <ma14:placeholderFlag xmlns:ma14="http://schemas.microsoft.com/office/mac/drawingml/2011/main" xmlns="" val="1"/>
             </a:ext>
           </a:extLst>
         </p:spPr>
@@ -1780,7 +1781,7 @@
           <a:ln/>
           <a:extLst>
             <a:ext uri="{FAA26D3D-D897-4be2-8F04-BA451C77F1D7}">
-              <ma14:placeholderFlag xmlns="" xmlns:ma14="http://schemas.microsoft.com/office/mac/drawingml/2011/main" val="1"/>
+              <ma14:placeholderFlag xmlns:ma14="http://schemas.microsoft.com/office/mac/drawingml/2011/main" xmlns="" val="1"/>
             </a:ext>
           </a:extLst>
         </p:spPr>
@@ -2090,7 +2091,7 @@
           <a:p>
             <a:fld id="{BB18E608-D3BE-4F4A-BE63-C3FEFDA4D158}" type="datetime1">
               <a:rPr lang="en-US" smtClean="0"/>
-              <a:t>1/22/25</a:t>
+              <a:t>1/23/25</a:t>
             </a:fld>
             <a:endParaRPr lang="en-US"/>
           </a:p>
@@ -2258,7 +2259,7 @@
           <a:p>
             <a:fld id="{DBC13445-452C-9441-AD30-FC1E791CAB10}" type="datetime1">
               <a:rPr lang="en-US" smtClean="0"/>
-              <a:t>1/22/25</a:t>
+              <a:t>1/23/25</a:t>
             </a:fld>
             <a:endParaRPr lang="en-US"/>
           </a:p>
@@ -2436,7 +2437,7 @@
           <a:p>
             <a:fld id="{F12E9FF6-F576-DB43-8D2C-3C9AA1C299AB}" type="datetime1">
               <a:rPr lang="en-US" smtClean="0"/>
-              <a:t>1/22/25</a:t>
+              <a:t>1/23/25</a:t>
             </a:fld>
             <a:endParaRPr lang="en-US"/>
           </a:p>
@@ -2604,7 +2605,7 @@
           <a:p>
             <a:fld id="{692B01CD-C82F-CC4F-BA37-FCE936C34E3C}" type="datetime1">
               <a:rPr lang="en-US" smtClean="0"/>
-              <a:t>1/22/25</a:t>
+              <a:t>1/23/25</a:t>
             </a:fld>
             <a:endParaRPr lang="en-US"/>
           </a:p>
@@ -2849,7 +2850,7 @@
           <a:p>
             <a:fld id="{A6E434D0-F31A-9544-8AC3-533C5051D41C}" type="datetime1">
               <a:rPr lang="en-US" smtClean="0"/>
-              <a:t>1/22/25</a:t>
+              <a:t>1/23/25</a:t>
             </a:fld>
             <a:endParaRPr lang="en-US"/>
           </a:p>
@@ -3134,7 +3135,7 @@
           <a:p>
             <a:fld id="{BFBF75C0-5A2F-2C43-B7B5-249F92FC0AE5}" type="datetime1">
               <a:rPr lang="en-US" smtClean="0"/>
-              <a:t>1/22/25</a:t>
+              <a:t>1/23/25</a:t>
             </a:fld>
             <a:endParaRPr lang="en-US"/>
           </a:p>
@@ -3553,7 +3554,7 @@
           <a:p>
             <a:fld id="{4783BAB0-87E2-1243-A738-54675A18E356}" type="datetime1">
               <a:rPr lang="en-US" smtClean="0"/>
-              <a:t>1/22/25</a:t>
+              <a:t>1/23/25</a:t>
             </a:fld>
             <a:endParaRPr lang="en-US"/>
           </a:p>
@@ -3670,7 +3671,7 @@
           <a:p>
             <a:fld id="{D3E2C62A-7EA4-644C-868F-EDC4B9012046}" type="datetime1">
               <a:rPr lang="en-US" smtClean="0"/>
-              <a:t>1/22/25</a:t>
+              <a:t>1/23/25</a:t>
             </a:fld>
             <a:endParaRPr lang="en-US"/>
           </a:p>
@@ -3765,7 +3766,7 @@
           <a:p>
             <a:fld id="{8D19949F-6253-4941-ABF0-87ABC58AA7F7}" type="datetime1">
               <a:rPr lang="en-US" smtClean="0"/>
-              <a:t>1/22/25</a:t>
+              <a:t>1/23/25</a:t>
             </a:fld>
             <a:endParaRPr lang="en-US"/>
           </a:p>
@@ -4040,7 +4041,7 @@
           <a:p>
             <a:fld id="{2EA904F2-098D-714E-B5C4-EFC0DC4669BD}" type="datetime1">
               <a:rPr lang="en-US" smtClean="0"/>
-              <a:t>1/22/25</a:t>
+              <a:t>1/23/25</a:t>
             </a:fld>
             <a:endParaRPr lang="en-US"/>
           </a:p>
@@ -4292,7 +4293,7 @@
           <a:p>
             <a:fld id="{BAC30565-FF28-204A-ABB7-570A3207DE07}" type="datetime1">
               <a:rPr lang="en-US" smtClean="0"/>
-              <a:t>1/22/25</a:t>
+              <a:t>1/23/25</a:t>
             </a:fld>
             <a:endParaRPr lang="en-US"/>
           </a:p>
@@ -4503,7 +4504,7 @@
           <a:p>
             <a:fld id="{5B839166-3640-7D44-A4BA-20887FEAA944}" type="datetime1">
               <a:rPr lang="en-US" smtClean="0"/>
-              <a:t>1/22/25</a:t>
+              <a:t>1/23/25</a:t>
             </a:fld>
             <a:endParaRPr lang="en-US"/>
           </a:p>
@@ -14655,7 +14656,13 @@
       </p:grpSpPr>
       <p:sp>
         <p:nvSpPr>
-          <p:cNvPr id="2" name="Title 1"/>
+          <p:cNvPr id="2" name="Title 1">
+            <a:extLst>
+              <a:ext uri="{FF2B5EF4-FFF2-40B4-BE49-F238E27FC236}">
+                <a16:creationId xmlns:a16="http://schemas.microsoft.com/office/drawing/2014/main" id="{3A523A66-9C02-0389-C8C4-14D03B7109BA}"/>
+              </a:ext>
+            </a:extLst>
+          </p:cNvPr>
           <p:cNvSpPr>
             <a:spLocks noGrp="1"/>
           </p:cNvSpPr>
@@ -14663,27 +14670,27 @@
             <p:ph type="title"/>
           </p:nvPr>
         </p:nvSpPr>
-        <p:spPr>
-          <a:xfrm>
-            <a:off x="457200" y="212651"/>
-            <a:ext cx="8229600" cy="560336"/>
-          </a:xfrm>
-        </p:spPr>
+        <p:spPr/>
         <p:txBody>
           <a:bodyPr/>
           <a:lstStyle/>
           <a:p>
             <a:r>
-              <a:rPr lang="en-US" dirty="0" err="1"/>
-              <a:t>grep</a:t>
-            </a:r>
-            <a:endParaRPr lang="en-US" dirty="0"/>
-          </a:p>
-        </p:txBody>
-      </p:sp>
-      <p:sp>
-        <p:nvSpPr>
-          <p:cNvPr id="3" name="Content Placeholder 2"/>
+              <a:rPr lang="en-US" dirty="0"/>
+              <a:t>1/23 stopped here</a:t>
+            </a:r>
+          </a:p>
+        </p:txBody>
+      </p:sp>
+      <p:sp>
+        <p:nvSpPr>
+          <p:cNvPr id="3" name="Content Placeholder 2">
+            <a:extLst>
+              <a:ext uri="{FF2B5EF4-FFF2-40B4-BE49-F238E27FC236}">
+                <a16:creationId xmlns:a16="http://schemas.microsoft.com/office/drawing/2014/main" id="{912873E3-D092-E202-F891-0506F80E8D64}"/>
+              </a:ext>
+            </a:extLst>
+          </p:cNvPr>
           <p:cNvSpPr>
             <a:spLocks noGrp="1"/>
           </p:cNvSpPr>
@@ -14691,159 +14698,24 @@
             <p:ph idx="1"/>
           </p:nvPr>
         </p:nvSpPr>
-        <p:spPr>
-          <a:xfrm>
-            <a:off x="831112" y="830641"/>
-            <a:ext cx="6973185" cy="4073544"/>
-          </a:xfrm>
-        </p:spPr>
-        <p:txBody>
-          <a:bodyPr>
-            <a:normAutofit/>
-          </a:bodyPr>
+        <p:spPr/>
+        <p:txBody>
+          <a:bodyPr/>
           <a:lstStyle/>
           <a:p>
-            <a:r>
-              <a:rPr lang="en-US" b="1" dirty="0" err="1">
-                <a:solidFill>
-                  <a:srgbClr val="17375E"/>
-                </a:solidFill>
-              </a:rPr>
-              <a:t>grep</a:t>
-            </a:r>
-            <a:r>
-              <a:rPr lang="en-US" dirty="0"/>
-              <a:t> - print lines matching a pattern</a:t>
-            </a:r>
-          </a:p>
-          <a:p>
-            <a:pPr marL="0" indent="0">
-              <a:buNone/>
-            </a:pPr>
-            <a:r>
-              <a:rPr lang="en-US" dirty="0" err="1"/>
-              <a:t>grep</a:t>
-            </a:r>
-            <a:r>
-              <a:rPr lang="en-US" dirty="0"/>
-              <a:t> &lt;pattern&gt; filename</a:t>
-            </a:r>
-          </a:p>
-          <a:p>
-            <a:pPr marL="0" indent="0">
-              <a:buNone/>
-            </a:pPr>
             <a:endParaRPr lang="en-US" dirty="0"/>
           </a:p>
-          <a:p>
-            <a:pPr marL="0" indent="0">
-              <a:buNone/>
-            </a:pPr>
-            <a:r>
-              <a:rPr lang="en-US" dirty="0">
-                <a:latin typeface="Courier"/>
-                <a:cs typeface="Courier"/>
-              </a:rPr>
-              <a:t>grep "Kansas" </a:t>
-            </a:r>
-            <a:r>
-              <a:rPr lang="en-US" dirty="0" err="1">
-                <a:latin typeface="Courier"/>
-                <a:cs typeface="Courier"/>
-              </a:rPr>
-              <a:t>adult.txt</a:t>
-            </a:r>
-            <a:endParaRPr lang="en-US" dirty="0">
-              <a:latin typeface="Courier"/>
-              <a:cs typeface="Courier"/>
-            </a:endParaRPr>
-          </a:p>
-          <a:p>
-            <a:pPr marL="0" indent="0">
-              <a:buNone/>
-            </a:pPr>
-            <a:r>
-              <a:rPr lang="en-US" sz="1800" dirty="0">
-                <a:latin typeface="Courier"/>
-                <a:cs typeface="Courier"/>
-              </a:rPr>
-              <a:t>Kansas	20</a:t>
-            </a:r>
-          </a:p>
-          <a:p>
-            <a:pPr marL="0" indent="0">
-              <a:buNone/>
-            </a:pPr>
-            <a:endParaRPr lang="en-US" dirty="0"/>
-          </a:p>
-          <a:p>
-            <a:pPr marL="0" indent="0">
-              <a:buNone/>
-            </a:pPr>
-            <a:r>
-              <a:rPr lang="en-US" dirty="0">
-                <a:latin typeface="Courier"/>
-                <a:cs typeface="Courier"/>
-              </a:rPr>
-              <a:t>grep "#" </a:t>
-            </a:r>
-            <a:r>
-              <a:rPr lang="en-US" dirty="0" err="1">
-                <a:latin typeface="Courier"/>
-                <a:cs typeface="Courier"/>
-              </a:rPr>
-              <a:t>adult.txt</a:t>
-            </a:r>
-            <a:endParaRPr lang="en-US" dirty="0">
-              <a:latin typeface="Courier"/>
-              <a:cs typeface="Courier"/>
-            </a:endParaRPr>
-          </a:p>
-          <a:p>
-            <a:pPr marL="0" indent="0">
-              <a:buNone/>
-            </a:pPr>
-            <a:r>
-              <a:rPr lang="en-US" sz="1800" dirty="0"/>
-              <a:t># Cigarette Usage (Adult 2013)</a:t>
-            </a:r>
-          </a:p>
-          <a:p>
-            <a:pPr marL="0" indent="0">
-              <a:buNone/>
-            </a:pPr>
-            <a:r>
-              <a:rPr lang="en-US" sz="1800" dirty="0"/>
-              <a:t># Source: Behavioral Risk Factor Surveillance System</a:t>
-            </a:r>
-          </a:p>
-          <a:p>
-            <a:pPr marL="0" indent="0">
-              <a:buNone/>
-            </a:pPr>
-            <a:r>
-              <a:rPr lang="en-US" sz="1800" dirty="0"/>
-              <a:t># http://</a:t>
-            </a:r>
-            <a:r>
-              <a:rPr lang="en-US" sz="1800" dirty="0" err="1"/>
-              <a:t>apps.nccd.cdc.gov</a:t>
-            </a:r>
-            <a:r>
-              <a:rPr lang="en-US" sz="1800" dirty="0"/>
-              <a:t>/</a:t>
-            </a:r>
-            <a:r>
-              <a:rPr lang="en-US" sz="1800" dirty="0" err="1"/>
-              <a:t>statesystem</a:t>
-            </a:r>
-            <a:endParaRPr lang="en-US" sz="1800" dirty="0"/>
-          </a:p>
-        </p:txBody>
-      </p:sp>
-      <p:sp>
-        <p:nvSpPr>
-          <p:cNvPr id="4" name="Slide Number Placeholder 3"/>
+        </p:txBody>
+      </p:sp>
+      <p:sp>
+        <p:nvSpPr>
+          <p:cNvPr id="4" name="Slide Number Placeholder 3">
+            <a:extLst>
+              <a:ext uri="{FF2B5EF4-FFF2-40B4-BE49-F238E27FC236}">
+                <a16:creationId xmlns:a16="http://schemas.microsoft.com/office/drawing/2014/main" id="{FF0BA193-3742-838E-43D9-AD5ED1F3801B}"/>
+              </a:ext>
+            </a:extLst>
+          </p:cNvPr>
           <p:cNvSpPr>
             <a:spLocks noGrp="1"/>
           </p:cNvSpPr>
@@ -14867,7 +14739,7 @@
     </p:spTree>
     <p:extLst>
       <p:ext uri="{BB962C8B-B14F-4D97-AF65-F5344CB8AC3E}">
-        <p14:creationId xmlns:p14="http://schemas.microsoft.com/office/powerpoint/2010/main" val="2118088160"/>
+        <p14:creationId xmlns:p14="http://schemas.microsoft.com/office/powerpoint/2010/main" val="1930302402"/>
       </p:ext>
     </p:extLst>
   </p:cSld>
@@ -14906,8 +14778,8 @@
         </p:nvSpPr>
         <p:spPr>
           <a:xfrm>
-            <a:off x="457200" y="353051"/>
-            <a:ext cx="8229600" cy="579740"/>
+            <a:off x="457200" y="212651"/>
+            <a:ext cx="8229600" cy="560336"/>
           </a:xfrm>
         </p:spPr>
         <p:txBody>
@@ -14915,9 +14787,170 @@
           <a:lstStyle/>
           <a:p>
             <a:r>
+              <a:rPr lang="en-US" dirty="0" err="1"/>
+              <a:t>grep</a:t>
+            </a:r>
+            <a:endParaRPr lang="en-US" dirty="0"/>
+          </a:p>
+        </p:txBody>
+      </p:sp>
+      <p:sp>
+        <p:nvSpPr>
+          <p:cNvPr id="3" name="Content Placeholder 2"/>
+          <p:cNvSpPr>
+            <a:spLocks noGrp="1"/>
+          </p:cNvSpPr>
+          <p:nvPr>
+            <p:ph idx="1"/>
+          </p:nvPr>
+        </p:nvSpPr>
+        <p:spPr>
+          <a:xfrm>
+            <a:off x="831112" y="830641"/>
+            <a:ext cx="6973185" cy="4073544"/>
+          </a:xfrm>
+        </p:spPr>
+        <p:txBody>
+          <a:bodyPr>
+            <a:normAutofit/>
+          </a:bodyPr>
+          <a:lstStyle/>
+          <a:p>
+            <a:r>
+              <a:rPr lang="en-US" b="1" dirty="0" err="1">
+                <a:solidFill>
+                  <a:srgbClr val="17375E"/>
+                </a:solidFill>
+              </a:rPr>
+              <a:t>grep</a:t>
+            </a:r>
+            <a:r>
               <a:rPr lang="en-US" dirty="0"/>
-              <a:t>grep examples</a:t>
-            </a:r>
+              <a:t> - print lines matching a pattern</a:t>
+            </a:r>
+          </a:p>
+          <a:p>
+            <a:pPr marL="0" indent="0">
+              <a:buNone/>
+            </a:pPr>
+            <a:r>
+              <a:rPr lang="en-US" dirty="0" err="1"/>
+              <a:t>grep</a:t>
+            </a:r>
+            <a:r>
+              <a:rPr lang="en-US" dirty="0"/>
+              <a:t> &lt;pattern&gt; filename</a:t>
+            </a:r>
+          </a:p>
+          <a:p>
+            <a:pPr marL="0" indent="0">
+              <a:buNone/>
+            </a:pPr>
+            <a:endParaRPr lang="en-US" dirty="0"/>
+          </a:p>
+          <a:p>
+            <a:pPr marL="0" indent="0">
+              <a:buNone/>
+            </a:pPr>
+            <a:r>
+              <a:rPr lang="en-US" dirty="0">
+                <a:latin typeface="Courier"/>
+                <a:cs typeface="Courier"/>
+              </a:rPr>
+              <a:t>grep "Kansas" </a:t>
+            </a:r>
+            <a:r>
+              <a:rPr lang="en-US" dirty="0" err="1">
+                <a:latin typeface="Courier"/>
+                <a:cs typeface="Courier"/>
+              </a:rPr>
+              <a:t>adult.txt</a:t>
+            </a:r>
+            <a:endParaRPr lang="en-US" dirty="0">
+              <a:latin typeface="Courier"/>
+              <a:cs typeface="Courier"/>
+            </a:endParaRPr>
+          </a:p>
+          <a:p>
+            <a:pPr marL="0" indent="0">
+              <a:buNone/>
+            </a:pPr>
+            <a:r>
+              <a:rPr lang="en-US" sz="1800" dirty="0">
+                <a:latin typeface="Courier"/>
+                <a:cs typeface="Courier"/>
+              </a:rPr>
+              <a:t>Kansas	20</a:t>
+            </a:r>
+          </a:p>
+          <a:p>
+            <a:pPr marL="0" indent="0">
+              <a:buNone/>
+            </a:pPr>
+            <a:endParaRPr lang="en-US" dirty="0"/>
+          </a:p>
+          <a:p>
+            <a:pPr marL="0" indent="0">
+              <a:buNone/>
+            </a:pPr>
+            <a:r>
+              <a:rPr lang="en-US" dirty="0">
+                <a:latin typeface="Courier"/>
+                <a:cs typeface="Courier"/>
+              </a:rPr>
+              <a:t>grep "#" </a:t>
+            </a:r>
+            <a:r>
+              <a:rPr lang="en-US" dirty="0" err="1">
+                <a:latin typeface="Courier"/>
+                <a:cs typeface="Courier"/>
+              </a:rPr>
+              <a:t>adult.txt</a:t>
+            </a:r>
+            <a:endParaRPr lang="en-US" dirty="0">
+              <a:latin typeface="Courier"/>
+              <a:cs typeface="Courier"/>
+            </a:endParaRPr>
+          </a:p>
+          <a:p>
+            <a:pPr marL="0" indent="0">
+              <a:buNone/>
+            </a:pPr>
+            <a:r>
+              <a:rPr lang="en-US" sz="1800" dirty="0"/>
+              <a:t># Cigarette Usage (Adult 2013)</a:t>
+            </a:r>
+          </a:p>
+          <a:p>
+            <a:pPr marL="0" indent="0">
+              <a:buNone/>
+            </a:pPr>
+            <a:r>
+              <a:rPr lang="en-US" sz="1800" dirty="0"/>
+              <a:t># Source: Behavioral Risk Factor Surveillance System</a:t>
+            </a:r>
+          </a:p>
+          <a:p>
+            <a:pPr marL="0" indent="0">
+              <a:buNone/>
+            </a:pPr>
+            <a:r>
+              <a:rPr lang="en-US" sz="1800" dirty="0"/>
+              <a:t># http://</a:t>
+            </a:r>
+            <a:r>
+              <a:rPr lang="en-US" sz="1800" dirty="0" err="1"/>
+              <a:t>apps.nccd.cdc.gov</a:t>
+            </a:r>
+            <a:r>
+              <a:rPr lang="en-US" sz="1800" dirty="0"/>
+              <a:t>/</a:t>
+            </a:r>
+            <a:r>
+              <a:rPr lang="en-US" sz="1800" dirty="0" err="1"/>
+              <a:t>statesystem</a:t>
+            </a:r>
+            <a:endParaRPr lang="en-US" sz="1800" dirty="0"/>
           </a:p>
         </p:txBody>
       </p:sp>
@@ -14939,6 +14972,86 @@
             <a:fld id="{9DA039C4-C5F2-1743-BB7A-5D831266C61E}" type="slidenum">
               <a:rPr lang="en-US" smtClean="0"/>
               <a:t>31</a:t>
+            </a:fld>
+            <a:endParaRPr lang="en-US"/>
+          </a:p>
+        </p:txBody>
+      </p:sp>
+    </p:spTree>
+    <p:extLst>
+      <p:ext uri="{BB962C8B-B14F-4D97-AF65-F5344CB8AC3E}">
+        <p14:creationId xmlns:p14="http://schemas.microsoft.com/office/powerpoint/2010/main" val="2118088160"/>
+      </p:ext>
+    </p:extLst>
+  </p:cSld>
+  <p:clrMapOvr>
+    <a:masterClrMapping/>
+  </p:clrMapOvr>
+</p:sld>
+</file>
+
+<file path=ppt/slides/slide32.xml><?xml version="1.0" encoding="utf-8"?>
+<p:sld xmlns:a="http://schemas.openxmlformats.org/drawingml/2006/main" xmlns:r="http://schemas.openxmlformats.org/officeDocument/2006/relationships" xmlns:p="http://schemas.openxmlformats.org/presentationml/2006/main">
+  <p:cSld>
+    <p:spTree>
+      <p:nvGrpSpPr>
+        <p:cNvPr id="1" name=""/>
+        <p:cNvGrpSpPr/>
+        <p:nvPr/>
+      </p:nvGrpSpPr>
+      <p:grpSpPr>
+        <a:xfrm>
+          <a:off x="0" y="0"/>
+          <a:ext cx="0" cy="0"/>
+          <a:chOff x="0" y="0"/>
+          <a:chExt cx="0" cy="0"/>
+        </a:xfrm>
+      </p:grpSpPr>
+      <p:sp>
+        <p:nvSpPr>
+          <p:cNvPr id="2" name="Title 1"/>
+          <p:cNvSpPr>
+            <a:spLocks noGrp="1"/>
+          </p:cNvSpPr>
+          <p:nvPr>
+            <p:ph type="title"/>
+          </p:nvPr>
+        </p:nvSpPr>
+        <p:spPr>
+          <a:xfrm>
+            <a:off x="457200" y="353051"/>
+            <a:ext cx="8229600" cy="579740"/>
+          </a:xfrm>
+        </p:spPr>
+        <p:txBody>
+          <a:bodyPr/>
+          <a:lstStyle/>
+          <a:p>
+            <a:r>
+              <a:rPr lang="en-US" dirty="0"/>
+              <a:t>grep examples</a:t>
+            </a:r>
+          </a:p>
+        </p:txBody>
+      </p:sp>
+      <p:sp>
+        <p:nvSpPr>
+          <p:cNvPr id="4" name="Slide Number Placeholder 3"/>
+          <p:cNvSpPr>
+            <a:spLocks noGrp="1"/>
+          </p:cNvSpPr>
+          <p:nvPr>
+            <p:ph type="sldNum" sz="quarter" idx="12"/>
+          </p:nvPr>
+        </p:nvSpPr>
+        <p:spPr/>
+        <p:txBody>
+          <a:bodyPr/>
+          <a:lstStyle/>
+          <a:p>
+            <a:fld id="{9DA039C4-C5F2-1743-BB7A-5D831266C61E}" type="slidenum">
+              <a:rPr lang="en-US" smtClean="0"/>
+              <a:t>32</a:t>
             </a:fld>
             <a:endParaRPr lang="en-US"/>
           </a:p>
@@ -15243,195 +15356,6 @@
 </p:sld>
 </file>
 
-<file path=ppt/slides/slide32.xml><?xml version="1.0" encoding="utf-8"?>
-<p:sld xmlns:a="http://schemas.openxmlformats.org/drawingml/2006/main" xmlns:r="http://schemas.openxmlformats.org/officeDocument/2006/relationships" xmlns:p="http://schemas.openxmlformats.org/presentationml/2006/main">
-  <p:cSld>
-    <p:spTree>
-      <p:nvGrpSpPr>
-        <p:cNvPr id="1" name=""/>
-        <p:cNvGrpSpPr/>
-        <p:nvPr/>
-      </p:nvGrpSpPr>
-      <p:grpSpPr>
-        <a:xfrm>
-          <a:off x="0" y="0"/>
-          <a:ext cx="0" cy="0"/>
-          <a:chOff x="0" y="0"/>
-          <a:chExt cx="0" cy="0"/>
-        </a:xfrm>
-      </p:grpSpPr>
-      <p:sp>
-        <p:nvSpPr>
-          <p:cNvPr id="2" name="Title 1"/>
-          <p:cNvSpPr>
-            <a:spLocks noGrp="1"/>
-          </p:cNvSpPr>
-          <p:nvPr>
-            <p:ph type="title"/>
-          </p:nvPr>
-        </p:nvSpPr>
-        <p:spPr>
-          <a:xfrm>
-            <a:off x="514749" y="346149"/>
-            <a:ext cx="8229600" cy="579740"/>
-          </a:xfrm>
-        </p:spPr>
-        <p:txBody>
-          <a:bodyPr/>
-          <a:lstStyle/>
-          <a:p>
-            <a:r>
-              <a:rPr lang="en-US" dirty="0" err="1"/>
-              <a:t>grep</a:t>
-            </a:r>
-            <a:r>
-              <a:rPr lang="en-US" dirty="0"/>
-              <a:t> examples using regular expression</a:t>
-            </a:r>
-          </a:p>
-        </p:txBody>
-      </p:sp>
-      <p:sp>
-        <p:nvSpPr>
-          <p:cNvPr id="3" name="Content Placeholder 2"/>
-          <p:cNvSpPr>
-            <a:spLocks noGrp="1"/>
-          </p:cNvSpPr>
-          <p:nvPr>
-            <p:ph idx="1"/>
-          </p:nvPr>
-        </p:nvSpPr>
-        <p:spPr>
-          <a:xfrm>
-            <a:off x="1956170" y="1913596"/>
-            <a:ext cx="5231660" cy="1457993"/>
-          </a:xfrm>
-        </p:spPr>
-        <p:txBody>
-          <a:bodyPr>
-            <a:normAutofit/>
-          </a:bodyPr>
-          <a:lstStyle/>
-          <a:p>
-            <a:pPr marL="0" indent="0">
-              <a:buNone/>
-            </a:pPr>
-            <a:r>
-              <a:rPr lang="en-US" dirty="0">
-                <a:latin typeface="Courier"/>
-                <a:cs typeface="Courier"/>
-              </a:rPr>
-              <a:t>grep "^&gt;" </a:t>
-            </a:r>
-            <a:r>
-              <a:rPr lang="en-US" dirty="0" err="1">
-                <a:latin typeface="Courier"/>
-                <a:cs typeface="Courier"/>
-              </a:rPr>
-              <a:t>fasta.file</a:t>
-            </a:r>
-            <a:endParaRPr lang="en-US" dirty="0">
-              <a:latin typeface="Courier"/>
-              <a:cs typeface="Courier"/>
-            </a:endParaRPr>
-          </a:p>
-          <a:p>
-            <a:pPr marL="0" indent="0">
-              <a:buNone/>
-            </a:pPr>
-            <a:r>
-              <a:rPr lang="en-US" dirty="0">
-                <a:latin typeface="Courier"/>
-                <a:cs typeface="Courier"/>
-              </a:rPr>
-              <a:t>grep "^&gt;" </a:t>
-            </a:r>
-            <a:r>
-              <a:rPr lang="en-US" dirty="0" err="1">
-                <a:latin typeface="Courier"/>
-                <a:cs typeface="Courier"/>
-              </a:rPr>
-              <a:t>fasta.file</a:t>
-            </a:r>
-            <a:r>
-              <a:rPr lang="en-US" dirty="0">
-                <a:latin typeface="Courier"/>
-                <a:cs typeface="Courier"/>
-              </a:rPr>
-              <a:t> -c</a:t>
-            </a:r>
-          </a:p>
-          <a:p>
-            <a:pPr marL="0" indent="0">
-              <a:buNone/>
-            </a:pPr>
-            <a:r>
-              <a:rPr lang="en-US" dirty="0">
-                <a:latin typeface="Courier New" panose="02070309020205020404" pitchFamily="49" charset="0"/>
-                <a:cs typeface="Courier New" panose="02070309020205020404" pitchFamily="49" charset="0"/>
-              </a:rPr>
-              <a:t>grep</a:t>
-            </a:r>
-            <a:r>
-              <a:rPr lang="en-US" dirty="0">
-                <a:latin typeface="Courier"/>
-                <a:cs typeface="Courier"/>
-              </a:rPr>
-              <a:t> "^&gt;" </a:t>
-            </a:r>
-            <a:r>
-              <a:rPr lang="en-US" dirty="0" err="1">
-                <a:latin typeface="Courier"/>
-                <a:cs typeface="Courier"/>
-              </a:rPr>
-              <a:t>fasta.file</a:t>
-            </a:r>
-            <a:r>
-              <a:rPr lang="en-US" dirty="0">
-                <a:latin typeface="Courier"/>
-                <a:cs typeface="Courier"/>
-              </a:rPr>
-              <a:t> -v</a:t>
-            </a:r>
-          </a:p>
-        </p:txBody>
-      </p:sp>
-      <p:sp>
-        <p:nvSpPr>
-          <p:cNvPr id="4" name="Slide Number Placeholder 3"/>
-          <p:cNvSpPr>
-            <a:spLocks noGrp="1"/>
-          </p:cNvSpPr>
-          <p:nvPr>
-            <p:ph type="sldNum" sz="quarter" idx="12"/>
-          </p:nvPr>
-        </p:nvSpPr>
-        <p:spPr/>
-        <p:txBody>
-          <a:bodyPr/>
-          <a:lstStyle/>
-          <a:p>
-            <a:fld id="{9DA039C4-C5F2-1743-BB7A-5D831266C61E}" type="slidenum">
-              <a:rPr lang="en-US" smtClean="0"/>
-              <a:t>32</a:t>
-            </a:fld>
-            <a:endParaRPr lang="en-US"/>
-          </a:p>
-        </p:txBody>
-      </p:sp>
-    </p:spTree>
-    <p:extLst>
-      <p:ext uri="{BB962C8B-B14F-4D97-AF65-F5344CB8AC3E}">
-        <p14:creationId xmlns:p14="http://schemas.microsoft.com/office/powerpoint/2010/main" val="2615643684"/>
-      </p:ext>
-    </p:extLst>
-  </p:cSld>
-  <p:clrMapOvr>
-    <a:masterClrMapping/>
-  </p:clrMapOvr>
-</p:sld>
-</file>
-
 <file path=ppt/slides/slide33.xml><?xml version="1.0" encoding="utf-8"?>
 <p:sld xmlns:a="http://schemas.openxmlformats.org/drawingml/2006/main" xmlns:r="http://schemas.openxmlformats.org/officeDocument/2006/relationships" xmlns:p="http://schemas.openxmlformats.org/presentationml/2006/main">
   <p:cSld>
@@ -15461,19 +15385,21 @@
         </p:nvSpPr>
         <p:spPr>
           <a:xfrm>
-            <a:off x="457200" y="152814"/>
+            <a:off x="514749" y="346149"/>
             <a:ext cx="8229600" cy="579740"/>
           </a:xfrm>
         </p:spPr>
         <p:txBody>
-          <a:bodyPr>
-            <a:normAutofit/>
-          </a:bodyPr>
+          <a:bodyPr/>
           <a:lstStyle/>
           <a:p>
             <a:r>
-              <a:rPr lang="en-US" sz="3200" dirty="0"/>
-              <a:t>cut</a:t>
+              <a:rPr lang="en-US" dirty="0" err="1"/>
+              <a:t>grep</a:t>
+            </a:r>
+            <a:r>
+              <a:rPr lang="en-US" dirty="0"/>
+              <a:t> examples using regular expression</a:t>
             </a:r>
           </a:p>
         </p:txBody>
@@ -15490,8 +15416,8 @@
         </p:nvSpPr>
         <p:spPr>
           <a:xfrm>
-            <a:off x="387518" y="763868"/>
-            <a:ext cx="8053120" cy="586037"/>
+            <a:off x="1956170" y="1913596"/>
+            <a:ext cx="5231660" cy="1457993"/>
           </a:xfrm>
         </p:spPr>
         <p:txBody>
@@ -15500,17 +15426,85 @@
           </a:bodyPr>
           <a:lstStyle/>
           <a:p>
-            <a:r>
-              <a:rPr lang="en-US" b="1" dirty="0">
-                <a:solidFill>
-                  <a:srgbClr val="17375E"/>
-                </a:solidFill>
-              </a:rPr>
-              <a:t>cut</a:t>
-            </a:r>
-            <a:r>
-              <a:rPr lang="en-US" dirty="0"/>
-              <a:t> - select sections from each line of file</a:t>
+            <a:pPr marL="0" indent="0">
+              <a:buNone/>
+            </a:pPr>
+            <a:r>
+              <a:rPr lang="en-US" dirty="0">
+                <a:latin typeface="Courier"/>
+                <a:cs typeface="Courier"/>
+              </a:rPr>
+              <a:t>grep "^&gt;" </a:t>
+            </a:r>
+            <a:r>
+              <a:rPr lang="en-US" dirty="0" err="1">
+                <a:latin typeface="Courier"/>
+                <a:cs typeface="Courier"/>
+              </a:rPr>
+              <a:t>fasta.file</a:t>
+            </a:r>
+            <a:endParaRPr lang="en-US" dirty="0">
+              <a:latin typeface="Courier"/>
+              <a:cs typeface="Courier"/>
+            </a:endParaRPr>
+          </a:p>
+          <a:p>
+            <a:pPr marL="0" indent="0">
+              <a:buNone/>
+            </a:pPr>
+            <a:r>
+              <a:rPr lang="en-US" dirty="0">
+                <a:latin typeface="Courier"/>
+                <a:cs typeface="Courier"/>
+              </a:rPr>
+              <a:t>grep "^&gt;" </a:t>
+            </a:r>
+            <a:r>
+              <a:rPr lang="en-US" dirty="0" err="1">
+                <a:latin typeface="Courier"/>
+                <a:cs typeface="Courier"/>
+              </a:rPr>
+              <a:t>fasta.file</a:t>
+            </a:r>
+            <a:r>
+              <a:rPr lang="en-US" dirty="0">
+                <a:latin typeface="Courier"/>
+                <a:cs typeface="Courier"/>
+              </a:rPr>
+              <a:t> -c</a:t>
+            </a:r>
+          </a:p>
+          <a:p>
+            <a:pPr marL="0" indent="0">
+              <a:buNone/>
+            </a:pPr>
+            <a:r>
+              <a:rPr lang="en-US" dirty="0">
+                <a:latin typeface="Courier New" panose="02070309020205020404" pitchFamily="49" charset="0"/>
+                <a:cs typeface="Courier New" panose="02070309020205020404" pitchFamily="49" charset="0"/>
+              </a:rPr>
+              <a:t>grep</a:t>
+            </a:r>
+            <a:r>
+              <a:rPr lang="en-US" dirty="0">
+                <a:latin typeface="Courier"/>
+                <a:cs typeface="Courier"/>
+              </a:rPr>
+              <a:t> "^&gt;" </a:t>
+            </a:r>
+            <a:r>
+              <a:rPr lang="en-US" dirty="0" err="1">
+                <a:latin typeface="Courier"/>
+                <a:cs typeface="Courier"/>
+              </a:rPr>
+              <a:t>fasta.file</a:t>
+            </a:r>
+            <a:r>
+              <a:rPr lang="en-US" dirty="0">
+                <a:latin typeface="Courier"/>
+                <a:cs typeface="Courier"/>
+              </a:rPr>
+              <a:t> -v</a:t>
             </a:r>
           </a:p>
         </p:txBody>
@@ -15533,6 +15527,125 @@
             <a:fld id="{9DA039C4-C5F2-1743-BB7A-5D831266C61E}" type="slidenum">
               <a:rPr lang="en-US" smtClean="0"/>
               <a:t>33</a:t>
+            </a:fld>
+            <a:endParaRPr lang="en-US"/>
+          </a:p>
+        </p:txBody>
+      </p:sp>
+    </p:spTree>
+    <p:extLst>
+      <p:ext uri="{BB962C8B-B14F-4D97-AF65-F5344CB8AC3E}">
+        <p14:creationId xmlns:p14="http://schemas.microsoft.com/office/powerpoint/2010/main" val="2615643684"/>
+      </p:ext>
+    </p:extLst>
+  </p:cSld>
+  <p:clrMapOvr>
+    <a:masterClrMapping/>
+  </p:clrMapOvr>
+</p:sld>
+</file>
+
+<file path=ppt/slides/slide34.xml><?xml version="1.0" encoding="utf-8"?>
+<p:sld xmlns:a="http://schemas.openxmlformats.org/drawingml/2006/main" xmlns:r="http://schemas.openxmlformats.org/officeDocument/2006/relationships" xmlns:p="http://schemas.openxmlformats.org/presentationml/2006/main">
+  <p:cSld>
+    <p:spTree>
+      <p:nvGrpSpPr>
+        <p:cNvPr id="1" name=""/>
+        <p:cNvGrpSpPr/>
+        <p:nvPr/>
+      </p:nvGrpSpPr>
+      <p:grpSpPr>
+        <a:xfrm>
+          <a:off x="0" y="0"/>
+          <a:ext cx="0" cy="0"/>
+          <a:chOff x="0" y="0"/>
+          <a:chExt cx="0" cy="0"/>
+        </a:xfrm>
+      </p:grpSpPr>
+      <p:sp>
+        <p:nvSpPr>
+          <p:cNvPr id="2" name="Title 1"/>
+          <p:cNvSpPr>
+            <a:spLocks noGrp="1"/>
+          </p:cNvSpPr>
+          <p:nvPr>
+            <p:ph type="title"/>
+          </p:nvPr>
+        </p:nvSpPr>
+        <p:spPr>
+          <a:xfrm>
+            <a:off x="457200" y="152814"/>
+            <a:ext cx="8229600" cy="579740"/>
+          </a:xfrm>
+        </p:spPr>
+        <p:txBody>
+          <a:bodyPr>
+            <a:normAutofit/>
+          </a:bodyPr>
+          <a:lstStyle/>
+          <a:p>
+            <a:r>
+              <a:rPr lang="en-US" sz="3200" dirty="0"/>
+              <a:t>cut</a:t>
+            </a:r>
+          </a:p>
+        </p:txBody>
+      </p:sp>
+      <p:sp>
+        <p:nvSpPr>
+          <p:cNvPr id="3" name="Content Placeholder 2"/>
+          <p:cNvSpPr>
+            <a:spLocks noGrp="1"/>
+          </p:cNvSpPr>
+          <p:nvPr>
+            <p:ph idx="1"/>
+          </p:nvPr>
+        </p:nvSpPr>
+        <p:spPr>
+          <a:xfrm>
+            <a:off x="387518" y="763868"/>
+            <a:ext cx="8053120" cy="586037"/>
+          </a:xfrm>
+        </p:spPr>
+        <p:txBody>
+          <a:bodyPr>
+            <a:normAutofit/>
+          </a:bodyPr>
+          <a:lstStyle/>
+          <a:p>
+            <a:r>
+              <a:rPr lang="en-US" b="1" dirty="0">
+                <a:solidFill>
+                  <a:srgbClr val="17375E"/>
+                </a:solidFill>
+              </a:rPr>
+              <a:t>cut</a:t>
+            </a:r>
+            <a:r>
+              <a:rPr lang="en-US" dirty="0"/>
+              <a:t> - select sections from each line of file</a:t>
+            </a:r>
+          </a:p>
+        </p:txBody>
+      </p:sp>
+      <p:sp>
+        <p:nvSpPr>
+          <p:cNvPr id="4" name="Slide Number Placeholder 3"/>
+          <p:cNvSpPr>
+            <a:spLocks noGrp="1"/>
+          </p:cNvSpPr>
+          <p:nvPr>
+            <p:ph type="sldNum" sz="quarter" idx="12"/>
+          </p:nvPr>
+        </p:nvSpPr>
+        <p:spPr/>
+        <p:txBody>
+          <a:bodyPr/>
+          <a:lstStyle/>
+          <a:p>
+            <a:fld id="{9DA039C4-C5F2-1743-BB7A-5D831266C61E}" type="slidenum">
+              <a:rPr lang="en-US" smtClean="0"/>
+              <a:t>34</a:t>
             </a:fld>
             <a:endParaRPr lang="en-US"/>
           </a:p>
@@ -17971,7 +18084,7 @@
 </p:sld>
 </file>
 
-<file path=ppt/slides/slide34.xml><?xml version="1.0" encoding="utf-8"?>
+<file path=ppt/slides/slide35.xml><?xml version="1.0" encoding="utf-8"?>
 <p:sld xmlns:a="http://schemas.openxmlformats.org/drawingml/2006/main" xmlns:r="http://schemas.openxmlformats.org/officeDocument/2006/relationships" xmlns:p="http://schemas.openxmlformats.org/presentationml/2006/main">
   <p:cSld>
     <p:spTree>
@@ -18088,7 +18201,7 @@
             <a:fld id="{EA089757-7AC0-274A-AA0C-98E689BB1FA5}" type="slidenum">
               <a:rPr lang="en-US"/>
               <a:pPr/>
-              <a:t>34</a:t>
+              <a:t>35</a:t>
             </a:fld>
             <a:endParaRPr lang="en-US"/>
           </a:p>
@@ -18543,7 +18656,7 @@
 </p:sld>
 </file>
 
-<file path=ppt/slides/slide35.xml><?xml version="1.0" encoding="utf-8"?>
+<file path=ppt/slides/slide36.xml><?xml version="1.0" encoding="utf-8"?>
 <p:sld xmlns:a="http://schemas.openxmlformats.org/drawingml/2006/main" xmlns:r="http://schemas.openxmlformats.org/officeDocument/2006/relationships" xmlns:p="http://schemas.openxmlformats.org/presentationml/2006/main">
   <p:cSld>
     <p:spTree>
@@ -18667,7 +18780,7 @@
           <a:p>
             <a:fld id="{9DA039C4-C5F2-1743-BB7A-5D831266C61E}" type="slidenum">
               <a:rPr lang="en-US" smtClean="0"/>
-              <a:t>35</a:t>
+              <a:t>36</a:t>
             </a:fld>
             <a:endParaRPr lang="en-US"/>
           </a:p>
@@ -18976,7 +19089,7 @@
 </p:sld>
 </file>
 
-<file path=ppt/slides/slide36.xml><?xml version="1.0" encoding="utf-8"?>
+<file path=ppt/slides/slide37.xml><?xml version="1.0" encoding="utf-8"?>
 <p:sld xmlns:a="http://schemas.openxmlformats.org/drawingml/2006/main" xmlns:r="http://schemas.openxmlformats.org/officeDocument/2006/relationships" xmlns:p="http://schemas.openxmlformats.org/presentationml/2006/main">
   <p:cSld>
     <p:spTree>
@@ -19112,7 +19225,7 @@
           <a:p>
             <a:fld id="{9DA039C4-C5F2-1743-BB7A-5D831266C61E}" type="slidenum">
               <a:rPr lang="en-US" smtClean="0"/>
-              <a:t>36</a:t>
+              <a:t>37</a:t>
             </a:fld>
             <a:endParaRPr lang="en-US"/>
           </a:p>
@@ -21236,7 +21349,7 @@
 </p:sld>
 </file>
 
-<file path=ppt/slides/slide37.xml><?xml version="1.0" encoding="utf-8"?>
+<file path=ppt/slides/slide38.xml><?xml version="1.0" encoding="utf-8"?>
 <p:sld xmlns:a="http://schemas.openxmlformats.org/drawingml/2006/main" xmlns:r="http://schemas.openxmlformats.org/officeDocument/2006/relationships" xmlns:p="http://schemas.openxmlformats.org/presentationml/2006/main">
   <p:cSld>
     <p:spTree>
@@ -21531,7 +21644,7 @@
           <a:p>
             <a:fld id="{9DA039C4-C5F2-1743-BB7A-5D831266C61E}" type="slidenum">
               <a:rPr lang="en-US" smtClean="0"/>
-              <a:t>37</a:t>
+              <a:t>38</a:t>
             </a:fld>
             <a:endParaRPr lang="en-US"/>
           </a:p>
@@ -21944,268 +22057,6 @@
 </p:sld>
 </file>
 
-<file path=ppt/slides/slide38.xml><?xml version="1.0" encoding="utf-8"?>
-<p:sld xmlns:a="http://schemas.openxmlformats.org/drawingml/2006/main" xmlns:r="http://schemas.openxmlformats.org/officeDocument/2006/relationships" xmlns:p="http://schemas.openxmlformats.org/presentationml/2006/main">
-  <p:cSld>
-    <p:spTree>
-      <p:nvGrpSpPr>
-        <p:cNvPr id="1" name=""/>
-        <p:cNvGrpSpPr/>
-        <p:nvPr/>
-      </p:nvGrpSpPr>
-      <p:grpSpPr>
-        <a:xfrm>
-          <a:off x="0" y="0"/>
-          <a:ext cx="0" cy="0"/>
-          <a:chOff x="0" y="0"/>
-          <a:chExt cx="0" cy="0"/>
-        </a:xfrm>
-      </p:grpSpPr>
-      <p:sp>
-        <p:nvSpPr>
-          <p:cNvPr id="2" name="Title 1"/>
-          <p:cNvSpPr>
-            <a:spLocks noGrp="1"/>
-          </p:cNvSpPr>
-          <p:nvPr>
-            <p:ph type="title"/>
-          </p:nvPr>
-        </p:nvSpPr>
-        <p:spPr/>
-        <p:txBody>
-          <a:bodyPr/>
-          <a:lstStyle/>
-          <a:p>
-            <a:r>
-              <a:rPr lang="en-US" b="1" dirty="0">
-                <a:solidFill>
-                  <a:srgbClr val="376092"/>
-                </a:solidFill>
-              </a:rPr>
-              <a:t>find</a:t>
-            </a:r>
-            <a:r>
-              <a:rPr lang="en-US" dirty="0"/>
-              <a:t> - search for files in a directory hierarchy</a:t>
-            </a:r>
-          </a:p>
-        </p:txBody>
-      </p:sp>
-      <p:sp>
-        <p:nvSpPr>
-          <p:cNvPr id="3" name="Content Placeholder 2"/>
-          <p:cNvSpPr>
-            <a:spLocks noGrp="1"/>
-          </p:cNvSpPr>
-          <p:nvPr>
-            <p:ph idx="1"/>
-          </p:nvPr>
-        </p:nvSpPr>
-        <p:spPr>
-          <a:xfrm>
-            <a:off x="1088360" y="1022118"/>
-            <a:ext cx="6967279" cy="3745145"/>
-          </a:xfrm>
-        </p:spPr>
-        <p:txBody>
-          <a:bodyPr>
-            <a:noAutofit/>
-          </a:bodyPr>
-          <a:lstStyle/>
-          <a:p>
-            <a:pPr marL="0" indent="0">
-              <a:buNone/>
-            </a:pPr>
-            <a:r>
-              <a:rPr lang="en-US" sz="2000" b="1" dirty="0">
-                <a:solidFill>
-                  <a:srgbClr val="376092"/>
-                </a:solidFill>
-                <a:latin typeface="Courier New"/>
-                <a:cs typeface="Courier New"/>
-              </a:rPr>
-              <a:t>find [pathnames] [conditions]</a:t>
-            </a:r>
-          </a:p>
-          <a:p>
-            <a:pPr marL="0" indent="0">
-              <a:buNone/>
-            </a:pPr>
-            <a:endParaRPr lang="en-US" sz="2000" dirty="0">
-              <a:latin typeface="Courier New"/>
-              <a:cs typeface="Courier New"/>
-            </a:endParaRPr>
-          </a:p>
-          <a:p>
-            <a:pPr marL="0" indent="0">
-              <a:buNone/>
-            </a:pPr>
-            <a:r>
-              <a:rPr lang="en-US" sz="2000" dirty="0">
-                <a:latin typeface="Courier New"/>
-                <a:cs typeface="Courier New"/>
-              </a:rPr>
-              <a:t># Finding files &gt;10M</a:t>
-            </a:r>
-          </a:p>
-          <a:p>
-            <a:pPr marL="0" indent="0">
-              <a:buNone/>
-            </a:pPr>
-            <a:r>
-              <a:rPr lang="en-US" sz="2000" dirty="0">
-                <a:latin typeface="Courier New"/>
-                <a:cs typeface="Courier New"/>
-              </a:rPr>
-              <a:t>find . -size +10M</a:t>
-            </a:r>
-          </a:p>
-          <a:p>
-            <a:pPr marL="0" indent="0">
-              <a:buNone/>
-            </a:pPr>
-            <a:endParaRPr lang="en-US" sz="2000" dirty="0">
-              <a:latin typeface="Courier New"/>
-              <a:cs typeface="Courier New"/>
-            </a:endParaRPr>
-          </a:p>
-          <a:p>
-            <a:pPr marL="0" indent="0">
-              <a:buNone/>
-            </a:pPr>
-            <a:r>
-              <a:rPr lang="en-US" sz="2000" dirty="0">
-                <a:latin typeface="Courier New"/>
-                <a:cs typeface="Courier New"/>
-              </a:rPr>
-              <a:t># find a file</a:t>
-            </a:r>
-          </a:p>
-          <a:p>
-            <a:pPr marL="0" indent="0">
-              <a:buNone/>
-            </a:pPr>
-            <a:r>
-              <a:rPr lang="en-US" sz="2000" dirty="0">
-                <a:latin typeface="Courier New"/>
-                <a:cs typeface="Courier New"/>
-              </a:rPr>
-              <a:t>find -name "</a:t>
-            </a:r>
-            <a:r>
-              <a:rPr lang="en-US" sz="2000" dirty="0" err="1">
-                <a:latin typeface="Courier New"/>
-                <a:cs typeface="Courier New"/>
-              </a:rPr>
-              <a:t>fruit.txt</a:t>
-            </a:r>
-            <a:r>
-              <a:rPr lang="en-US" sz="2000" dirty="0">
-                <a:latin typeface="Courier New"/>
-                <a:cs typeface="Courier New"/>
-              </a:rPr>
-              <a:t>"</a:t>
-            </a:r>
-          </a:p>
-          <a:p>
-            <a:pPr marL="0" indent="0">
-              <a:buNone/>
-            </a:pPr>
-            <a:endParaRPr lang="en-US" sz="2000" dirty="0">
-              <a:latin typeface="Courier New"/>
-              <a:cs typeface="Courier New"/>
-            </a:endParaRPr>
-          </a:p>
-          <a:p>
-            <a:pPr marL="0" indent="0">
-              <a:buNone/>
-            </a:pPr>
-            <a:r>
-              <a:rPr lang="en-US" sz="2000" dirty="0">
-                <a:latin typeface="Courier New"/>
-                <a:cs typeface="Courier New"/>
-              </a:rPr>
-              <a:t># find a file in the current directory</a:t>
-            </a:r>
-          </a:p>
-          <a:p>
-            <a:pPr marL="0" indent="0">
-              <a:buNone/>
-            </a:pPr>
-            <a:r>
-              <a:rPr lang="en-US" sz="2000" dirty="0">
-                <a:latin typeface="Courier New"/>
-                <a:cs typeface="Courier New"/>
-              </a:rPr>
-              <a:t>find -</a:t>
-            </a:r>
-            <a:r>
-              <a:rPr lang="en-US" sz="2000" dirty="0" err="1">
-                <a:latin typeface="Courier New"/>
-                <a:cs typeface="Courier New"/>
-              </a:rPr>
-              <a:t>maxdepth</a:t>
-            </a:r>
-            <a:r>
-              <a:rPr lang="en-US" sz="2000" dirty="0">
-                <a:latin typeface="Courier New"/>
-                <a:cs typeface="Courier New"/>
-              </a:rPr>
-              <a:t> 1 -name "</a:t>
-            </a:r>
-            <a:r>
-              <a:rPr lang="en-US" sz="2000" dirty="0" err="1">
-                <a:latin typeface="Courier New"/>
-                <a:cs typeface="Courier New"/>
-              </a:rPr>
-              <a:t>fruit.txt</a:t>
-            </a:r>
-            <a:r>
-              <a:rPr lang="en-US" sz="2000" dirty="0">
-                <a:latin typeface="Courier New"/>
-                <a:cs typeface="Courier New"/>
-              </a:rPr>
-              <a:t>"</a:t>
-            </a:r>
-          </a:p>
-        </p:txBody>
-      </p:sp>
-      <p:sp>
-        <p:nvSpPr>
-          <p:cNvPr id="4" name="Slide Number Placeholder 3"/>
-          <p:cNvSpPr>
-            <a:spLocks noGrp="1"/>
-          </p:cNvSpPr>
-          <p:nvPr>
-            <p:ph type="sldNum" sz="quarter" idx="12"/>
-          </p:nvPr>
-        </p:nvSpPr>
-        <p:spPr/>
-        <p:txBody>
-          <a:bodyPr/>
-          <a:lstStyle/>
-          <a:p>
-            <a:fld id="{9DA039C4-C5F2-1743-BB7A-5D831266C61E}" type="slidenum">
-              <a:rPr lang="en-US" smtClean="0"/>
-              <a:t>38</a:t>
-            </a:fld>
-            <a:endParaRPr lang="en-US"/>
-          </a:p>
-        </p:txBody>
-      </p:sp>
-    </p:spTree>
-    <p:extLst>
-      <p:ext uri="{BB962C8B-B14F-4D97-AF65-F5344CB8AC3E}">
-        <p14:creationId xmlns:p14="http://schemas.microsoft.com/office/powerpoint/2010/main" val="3222797445"/>
-      </p:ext>
-    </p:extLst>
-  </p:cSld>
-  <p:clrMapOvr>
-    <a:masterClrMapping/>
-  </p:clrMapOvr>
-</p:sld>
-</file>
-
 <file path=ppt/slides/slide39.xml><?xml version="1.0" encoding="utf-8"?>
 <p:sld xmlns:a="http://schemas.openxmlformats.org/drawingml/2006/main" xmlns:r="http://schemas.openxmlformats.org/officeDocument/2006/relationships" xmlns:p="http://schemas.openxmlformats.org/presentationml/2006/main">
   <p:cSld>
@@ -22239,22 +22090,17 @@
           <a:lstStyle/>
           <a:p>
             <a:r>
-              <a:rPr lang="en-US" b="1" dirty="0" err="1">
+              <a:rPr lang="en-US" b="1" dirty="0">
                 <a:solidFill>
                   <a:srgbClr val="376092"/>
                 </a:solidFill>
               </a:rPr>
-              <a:t>sed</a:t>
+              <a:t>find</a:t>
             </a:r>
             <a:r>
               <a:rPr lang="en-US" dirty="0"/>
-              <a:t> -  a stream editor used for modifying files in </a:t>
-            </a:r>
-            <a:r>
-              <a:rPr lang="en-US" dirty="0" err="1"/>
-              <a:t>unix</a:t>
-            </a:r>
-            <a:endParaRPr lang="en-US" dirty="0"/>
+              <a:t> - search for files in a directory hierarchy</a:t>
+            </a:r>
           </a:p>
         </p:txBody>
       </p:sp>
@@ -22270,6 +22116,649 @@
         </p:nvSpPr>
         <p:spPr>
           <a:xfrm>
+            <a:off x="1088360" y="1022118"/>
+            <a:ext cx="6967279" cy="3745145"/>
+          </a:xfrm>
+        </p:spPr>
+        <p:txBody>
+          <a:bodyPr>
+            <a:noAutofit/>
+          </a:bodyPr>
+          <a:lstStyle/>
+          <a:p>
+            <a:pPr marL="0" indent="0">
+              <a:buNone/>
+            </a:pPr>
+            <a:r>
+              <a:rPr lang="en-US" sz="2000" b="1" dirty="0">
+                <a:solidFill>
+                  <a:srgbClr val="376092"/>
+                </a:solidFill>
+                <a:latin typeface="Courier New"/>
+                <a:cs typeface="Courier New"/>
+              </a:rPr>
+              <a:t>find [pathnames] [conditions]</a:t>
+            </a:r>
+          </a:p>
+          <a:p>
+            <a:pPr marL="0" indent="0">
+              <a:buNone/>
+            </a:pPr>
+            <a:endParaRPr lang="en-US" sz="2000" dirty="0">
+              <a:latin typeface="Courier New"/>
+              <a:cs typeface="Courier New"/>
+            </a:endParaRPr>
+          </a:p>
+          <a:p>
+            <a:pPr marL="0" indent="0">
+              <a:buNone/>
+            </a:pPr>
+            <a:r>
+              <a:rPr lang="en-US" sz="2000" dirty="0">
+                <a:latin typeface="Courier New"/>
+                <a:cs typeface="Courier New"/>
+              </a:rPr>
+              <a:t># Finding files &gt;10M</a:t>
+            </a:r>
+          </a:p>
+          <a:p>
+            <a:pPr marL="0" indent="0">
+              <a:buNone/>
+            </a:pPr>
+            <a:r>
+              <a:rPr lang="en-US" sz="2000" dirty="0">
+                <a:latin typeface="Courier New"/>
+                <a:cs typeface="Courier New"/>
+              </a:rPr>
+              <a:t>find . -size +10M</a:t>
+            </a:r>
+          </a:p>
+          <a:p>
+            <a:pPr marL="0" indent="0">
+              <a:buNone/>
+            </a:pPr>
+            <a:endParaRPr lang="en-US" sz="2000" dirty="0">
+              <a:latin typeface="Courier New"/>
+              <a:cs typeface="Courier New"/>
+            </a:endParaRPr>
+          </a:p>
+          <a:p>
+            <a:pPr marL="0" indent="0">
+              <a:buNone/>
+            </a:pPr>
+            <a:r>
+              <a:rPr lang="en-US" sz="2000" dirty="0">
+                <a:latin typeface="Courier New"/>
+                <a:cs typeface="Courier New"/>
+              </a:rPr>
+              <a:t># find a file</a:t>
+            </a:r>
+          </a:p>
+          <a:p>
+            <a:pPr marL="0" indent="0">
+              <a:buNone/>
+            </a:pPr>
+            <a:r>
+              <a:rPr lang="en-US" sz="2000" dirty="0">
+                <a:latin typeface="Courier New"/>
+                <a:cs typeface="Courier New"/>
+              </a:rPr>
+              <a:t>find -name "</a:t>
+            </a:r>
+            <a:r>
+              <a:rPr lang="en-US" sz="2000" dirty="0" err="1">
+                <a:latin typeface="Courier New"/>
+                <a:cs typeface="Courier New"/>
+              </a:rPr>
+              <a:t>fruit.txt</a:t>
+            </a:r>
+            <a:r>
+              <a:rPr lang="en-US" sz="2000" dirty="0">
+                <a:latin typeface="Courier New"/>
+                <a:cs typeface="Courier New"/>
+              </a:rPr>
+              <a:t>"</a:t>
+            </a:r>
+          </a:p>
+          <a:p>
+            <a:pPr marL="0" indent="0">
+              <a:buNone/>
+            </a:pPr>
+            <a:endParaRPr lang="en-US" sz="2000" dirty="0">
+              <a:latin typeface="Courier New"/>
+              <a:cs typeface="Courier New"/>
+            </a:endParaRPr>
+          </a:p>
+          <a:p>
+            <a:pPr marL="0" indent="0">
+              <a:buNone/>
+            </a:pPr>
+            <a:r>
+              <a:rPr lang="en-US" sz="2000" dirty="0">
+                <a:latin typeface="Courier New"/>
+                <a:cs typeface="Courier New"/>
+              </a:rPr>
+              <a:t># find a file in the current directory</a:t>
+            </a:r>
+          </a:p>
+          <a:p>
+            <a:pPr marL="0" indent="0">
+              <a:buNone/>
+            </a:pPr>
+            <a:r>
+              <a:rPr lang="en-US" sz="2000" dirty="0">
+                <a:latin typeface="Courier New"/>
+                <a:cs typeface="Courier New"/>
+              </a:rPr>
+              <a:t>find -</a:t>
+            </a:r>
+            <a:r>
+              <a:rPr lang="en-US" sz="2000" dirty="0" err="1">
+                <a:latin typeface="Courier New"/>
+                <a:cs typeface="Courier New"/>
+              </a:rPr>
+              <a:t>maxdepth</a:t>
+            </a:r>
+            <a:r>
+              <a:rPr lang="en-US" sz="2000" dirty="0">
+                <a:latin typeface="Courier New"/>
+                <a:cs typeface="Courier New"/>
+              </a:rPr>
+              <a:t> 1 -name "</a:t>
+            </a:r>
+            <a:r>
+              <a:rPr lang="en-US" sz="2000" dirty="0" err="1">
+                <a:latin typeface="Courier New"/>
+                <a:cs typeface="Courier New"/>
+              </a:rPr>
+              <a:t>fruit.txt</a:t>
+            </a:r>
+            <a:r>
+              <a:rPr lang="en-US" sz="2000" dirty="0">
+                <a:latin typeface="Courier New"/>
+                <a:cs typeface="Courier New"/>
+              </a:rPr>
+              <a:t>"</a:t>
+            </a:r>
+          </a:p>
+        </p:txBody>
+      </p:sp>
+      <p:sp>
+        <p:nvSpPr>
+          <p:cNvPr id="4" name="Slide Number Placeholder 3"/>
+          <p:cNvSpPr>
+            <a:spLocks noGrp="1"/>
+          </p:cNvSpPr>
+          <p:nvPr>
+            <p:ph type="sldNum" sz="quarter" idx="12"/>
+          </p:nvPr>
+        </p:nvSpPr>
+        <p:spPr/>
+        <p:txBody>
+          <a:bodyPr/>
+          <a:lstStyle/>
+          <a:p>
+            <a:fld id="{9DA039C4-C5F2-1743-BB7A-5D831266C61E}" type="slidenum">
+              <a:rPr lang="en-US" smtClean="0"/>
+              <a:t>39</a:t>
+            </a:fld>
+            <a:endParaRPr lang="en-US"/>
+          </a:p>
+        </p:txBody>
+      </p:sp>
+    </p:spTree>
+    <p:extLst>
+      <p:ext uri="{BB962C8B-B14F-4D97-AF65-F5344CB8AC3E}">
+        <p14:creationId xmlns:p14="http://schemas.microsoft.com/office/powerpoint/2010/main" val="3222797445"/>
+      </p:ext>
+    </p:extLst>
+  </p:cSld>
+  <p:clrMapOvr>
+    <a:masterClrMapping/>
+  </p:clrMapOvr>
+</p:sld>
+</file>
+
+<file path=ppt/slides/slide4.xml><?xml version="1.0" encoding="utf-8"?>
+<p:sld xmlns:a="http://schemas.openxmlformats.org/drawingml/2006/main" xmlns:r="http://schemas.openxmlformats.org/officeDocument/2006/relationships" xmlns:p="http://schemas.openxmlformats.org/presentationml/2006/main">
+  <p:cSld>
+    <p:spTree>
+      <p:nvGrpSpPr>
+        <p:cNvPr id="1" name="">
+          <a:extLst>
+            <a:ext uri="{FF2B5EF4-FFF2-40B4-BE49-F238E27FC236}">
+              <a16:creationId xmlns:a16="http://schemas.microsoft.com/office/drawing/2014/main" id="{8F72316C-9103-5354-569A-974BD7A32934}"/>
+            </a:ext>
+          </a:extLst>
+        </p:cNvPr>
+        <p:cNvGrpSpPr/>
+        <p:nvPr/>
+      </p:nvGrpSpPr>
+      <p:grpSpPr>
+        <a:xfrm>
+          <a:off x="0" y="0"/>
+          <a:ext cx="0" cy="0"/>
+          <a:chOff x="0" y="0"/>
+          <a:chExt cx="0" cy="0"/>
+        </a:xfrm>
+      </p:grpSpPr>
+      <p:sp>
+        <p:nvSpPr>
+          <p:cNvPr id="2" name="Title 1">
+            <a:extLst>
+              <a:ext uri="{FF2B5EF4-FFF2-40B4-BE49-F238E27FC236}">
+                <a16:creationId xmlns:a16="http://schemas.microsoft.com/office/drawing/2014/main" id="{41C23A6C-2CCE-0E78-8913-53C9476DCBF2}"/>
+              </a:ext>
+            </a:extLst>
+          </p:cNvPr>
+          <p:cNvSpPr>
+            <a:spLocks noGrp="1"/>
+          </p:cNvSpPr>
+          <p:nvPr>
+            <p:ph type="title"/>
+          </p:nvPr>
+        </p:nvSpPr>
+        <p:spPr/>
+        <p:txBody>
+          <a:bodyPr/>
+          <a:lstStyle/>
+          <a:p>
+            <a:r>
+              <a:rPr lang="en-US" dirty="0"/>
+              <a:t>Regular expression</a:t>
+            </a:r>
+          </a:p>
+        </p:txBody>
+      </p:sp>
+      <p:sp>
+        <p:nvSpPr>
+          <p:cNvPr id="8" name="TextBox 7">
+            <a:extLst>
+              <a:ext uri="{FF2B5EF4-FFF2-40B4-BE49-F238E27FC236}">
+                <a16:creationId xmlns:a16="http://schemas.microsoft.com/office/drawing/2014/main" id="{A747A857-AB6F-D5F6-8DED-68E8AC71A1BF}"/>
+              </a:ext>
+            </a:extLst>
+          </p:cNvPr>
+          <p:cNvSpPr txBox="1"/>
+          <p:nvPr/>
+        </p:nvSpPr>
+        <p:spPr>
+          <a:xfrm>
+            <a:off x="590221" y="1157463"/>
+            <a:ext cx="2720704" cy="415498"/>
+          </a:xfrm>
+          <a:prstGeom prst="rect">
+            <a:avLst/>
+          </a:prstGeom>
+          <a:solidFill>
+            <a:schemeClr val="accent5">
+              <a:lumMod val="20000"/>
+              <a:lumOff val="80000"/>
+            </a:schemeClr>
+          </a:solidFill>
+        </p:spPr>
+        <p:txBody>
+          <a:bodyPr wrap="square" rtlCol="0">
+            <a:spAutoFit/>
+          </a:bodyPr>
+          <a:lstStyle/>
+          <a:p>
+            <a:pPr>
+              <a:lnSpc>
+                <a:spcPct val="120000"/>
+              </a:lnSpc>
+            </a:pPr>
+            <a:r>
+              <a:rPr lang="en-US" b="1" dirty="0">
+                <a:solidFill>
+                  <a:srgbClr val="17375E"/>
+                </a:solidFill>
+              </a:rPr>
+              <a:t>[A-Z]</a:t>
+            </a:r>
+            <a:r>
+              <a:rPr lang="en-US" dirty="0"/>
+              <a:t>  : any single letter</a:t>
+            </a:r>
+          </a:p>
+        </p:txBody>
+      </p:sp>
+      <p:pic>
+        <p:nvPicPr>
+          <p:cNvPr id="11" name="Picture 10">
+            <a:extLst>
+              <a:ext uri="{FF2B5EF4-FFF2-40B4-BE49-F238E27FC236}">
+                <a16:creationId xmlns:a16="http://schemas.microsoft.com/office/drawing/2014/main" id="{11553FDD-0824-1C15-6230-75699D1E9C55}"/>
+              </a:ext>
+            </a:extLst>
+          </p:cNvPr>
+          <p:cNvPicPr>
+            <a:picLocks noChangeAspect="1"/>
+          </p:cNvPicPr>
+          <p:nvPr/>
+        </p:nvPicPr>
+        <p:blipFill>
+          <a:blip r:embed="rId3"/>
+          <a:stretch>
+            <a:fillRect/>
+          </a:stretch>
+        </p:blipFill>
+        <p:spPr>
+          <a:xfrm>
+            <a:off x="590221" y="2031971"/>
+            <a:ext cx="2198160" cy="567267"/>
+          </a:xfrm>
+          <a:prstGeom prst="rect">
+            <a:avLst/>
+          </a:prstGeom>
+        </p:spPr>
+      </p:pic>
+      <p:sp>
+        <p:nvSpPr>
+          <p:cNvPr id="12" name="TextBox 11">
+            <a:extLst>
+              <a:ext uri="{FF2B5EF4-FFF2-40B4-BE49-F238E27FC236}">
+                <a16:creationId xmlns:a16="http://schemas.microsoft.com/office/drawing/2014/main" id="{C9DD1914-72FC-D766-5EAD-A436B5AF1FF5}"/>
+              </a:ext>
+            </a:extLst>
+          </p:cNvPr>
+          <p:cNvSpPr txBox="1"/>
+          <p:nvPr/>
+        </p:nvSpPr>
+        <p:spPr>
+          <a:xfrm>
+            <a:off x="1276549" y="2571967"/>
+            <a:ext cx="742962" cy="461665"/>
+          </a:xfrm>
+          <a:prstGeom prst="rect">
+            <a:avLst/>
+          </a:prstGeom>
+          <a:noFill/>
+        </p:spPr>
+        <p:txBody>
+          <a:bodyPr wrap="none" rtlCol="0">
+            <a:spAutoFit/>
+          </a:bodyPr>
+          <a:lstStyle/>
+          <a:p>
+            <a:r>
+              <a:rPr lang="en-US" sz="2400" dirty="0" err="1"/>
+              <a:t>NspI</a:t>
+            </a:r>
+            <a:endParaRPr lang="en-US" sz="2400" dirty="0"/>
+          </a:p>
+        </p:txBody>
+      </p:sp>
+      <p:sp>
+        <p:nvSpPr>
+          <p:cNvPr id="13" name="TextBox 12">
+            <a:extLst>
+              <a:ext uri="{FF2B5EF4-FFF2-40B4-BE49-F238E27FC236}">
+                <a16:creationId xmlns:a16="http://schemas.microsoft.com/office/drawing/2014/main" id="{1F6D76B7-1D2A-6E24-F3BF-E5A6E20BF744}"/>
+              </a:ext>
+            </a:extLst>
+          </p:cNvPr>
+          <p:cNvSpPr txBox="1"/>
+          <p:nvPr/>
+        </p:nvSpPr>
+        <p:spPr>
+          <a:xfrm>
+            <a:off x="3017900" y="2023215"/>
+            <a:ext cx="2518237" cy="584776"/>
+          </a:xfrm>
+          <a:prstGeom prst="rect">
+            <a:avLst/>
+          </a:prstGeom>
+          <a:noFill/>
+        </p:spPr>
+        <p:txBody>
+          <a:bodyPr wrap="none" rtlCol="0">
+            <a:spAutoFit/>
+          </a:bodyPr>
+          <a:lstStyle/>
+          <a:p>
+            <a:r>
+              <a:rPr lang="en-US" sz="3200" dirty="0"/>
+              <a:t>[AG]CATG[CT]</a:t>
+            </a:r>
+          </a:p>
+        </p:txBody>
+      </p:sp>
+      <p:sp>
+        <p:nvSpPr>
+          <p:cNvPr id="5" name="TextBox 4">
+            <a:extLst>
+              <a:ext uri="{FF2B5EF4-FFF2-40B4-BE49-F238E27FC236}">
+                <a16:creationId xmlns:a16="http://schemas.microsoft.com/office/drawing/2014/main" id="{95AB84F6-8590-23FA-73E6-D448830F9EBC}"/>
+              </a:ext>
+            </a:extLst>
+          </p:cNvPr>
+          <p:cNvSpPr txBox="1"/>
+          <p:nvPr/>
+        </p:nvSpPr>
+        <p:spPr>
+          <a:xfrm>
+            <a:off x="6197044" y="767722"/>
+            <a:ext cx="2356735" cy="4247317"/>
+          </a:xfrm>
+          <a:prstGeom prst="rect">
+            <a:avLst/>
+          </a:prstGeom>
+          <a:noFill/>
+        </p:spPr>
+        <p:txBody>
+          <a:bodyPr wrap="none" rtlCol="0">
+            <a:spAutoFit/>
+          </a:bodyPr>
+          <a:lstStyle/>
+          <a:p>
+            <a:r>
+              <a:rPr lang="en-US" dirty="0"/>
+              <a:t>A	Adenine	A</a:t>
+            </a:r>
+          </a:p>
+          <a:p>
+            <a:r>
+              <a:rPr lang="en-US" dirty="0"/>
+              <a:t>C	Cytosine	C</a:t>
+            </a:r>
+          </a:p>
+          <a:p>
+            <a:r>
+              <a:rPr lang="en-US" dirty="0"/>
+              <a:t>G	Guanine	G</a:t>
+            </a:r>
+          </a:p>
+          <a:p>
+            <a:r>
+              <a:rPr lang="en-US" dirty="0"/>
+              <a:t>T	Thymine T</a:t>
+            </a:r>
+          </a:p>
+          <a:p>
+            <a:r>
+              <a:rPr lang="en-US" dirty="0"/>
+              <a:t>W	Weak	A/T</a:t>
+            </a:r>
+          </a:p>
+          <a:p>
+            <a:r>
+              <a:rPr lang="en-US" dirty="0"/>
+              <a:t>S	Strong	C/G</a:t>
+            </a:r>
+          </a:p>
+          <a:p>
+            <a:r>
+              <a:rPr lang="en-US" dirty="0"/>
+              <a:t>M	Amino	A/C</a:t>
+            </a:r>
+          </a:p>
+          <a:p>
+            <a:r>
+              <a:rPr lang="en-US" dirty="0"/>
+              <a:t>K	Keto	G/T</a:t>
+            </a:r>
+          </a:p>
+          <a:p>
+            <a:r>
+              <a:rPr lang="en-US" dirty="0"/>
+              <a:t>R	Purine	A/G</a:t>
+            </a:r>
+          </a:p>
+          <a:p>
+            <a:r>
+              <a:rPr lang="en-US" dirty="0"/>
+              <a:t>Y	Pyrimidine	C/T</a:t>
+            </a:r>
+          </a:p>
+          <a:p>
+            <a:r>
+              <a:rPr lang="en-US" dirty="0"/>
+              <a:t>B	Not A	C/G/T</a:t>
+            </a:r>
+          </a:p>
+          <a:p>
+            <a:r>
+              <a:rPr lang="en-US" dirty="0"/>
+              <a:t>D	Not C	A/G/T</a:t>
+            </a:r>
+          </a:p>
+          <a:p>
+            <a:r>
+              <a:rPr lang="en-US" dirty="0"/>
+              <a:t>H	Not G	A/C/T</a:t>
+            </a:r>
+          </a:p>
+          <a:p>
+            <a:r>
+              <a:rPr lang="en-US" dirty="0"/>
+              <a:t>V	Not T	A/C/G</a:t>
+            </a:r>
+          </a:p>
+          <a:p>
+            <a:r>
+              <a:rPr lang="en-US" dirty="0"/>
+              <a:t>N	Any	A/C/G/T</a:t>
+            </a:r>
+          </a:p>
+        </p:txBody>
+      </p:sp>
+      <p:sp>
+        <p:nvSpPr>
+          <p:cNvPr id="6" name="TextBox 5">
+            <a:extLst>
+              <a:ext uri="{FF2B5EF4-FFF2-40B4-BE49-F238E27FC236}">
+                <a16:creationId xmlns:a16="http://schemas.microsoft.com/office/drawing/2014/main" id="{F801517F-C517-B8B1-D58D-17D5B0B85249}"/>
+              </a:ext>
+            </a:extLst>
+          </p:cNvPr>
+          <p:cNvSpPr txBox="1"/>
+          <p:nvPr/>
+        </p:nvSpPr>
+        <p:spPr>
+          <a:xfrm>
+            <a:off x="179043" y="294143"/>
+            <a:ext cx="856388" cy="369332"/>
+          </a:xfrm>
+          <a:prstGeom prst="rect">
+            <a:avLst/>
+          </a:prstGeom>
+          <a:noFill/>
+        </p:spPr>
+        <p:txBody>
+          <a:bodyPr wrap="none" rtlCol="0">
+            <a:spAutoFit/>
+          </a:bodyPr>
+          <a:lstStyle/>
+          <a:p>
+            <a:r>
+              <a:rPr lang="en-US" dirty="0">
+                <a:highlight>
+                  <a:srgbClr val="FFFF00"/>
+                </a:highlight>
+              </a:rPr>
+              <a:t>Review</a:t>
+            </a:r>
+          </a:p>
+        </p:txBody>
+      </p:sp>
+    </p:spTree>
+    <p:extLst>
+      <p:ext uri="{BB962C8B-B14F-4D97-AF65-F5344CB8AC3E}">
+        <p14:creationId xmlns:p14="http://schemas.microsoft.com/office/powerpoint/2010/main" val="1054789750"/>
+      </p:ext>
+    </p:extLst>
+  </p:cSld>
+  <p:clrMapOvr>
+    <a:masterClrMapping/>
+  </p:clrMapOvr>
+</p:sld>
+</file>
+
+<file path=ppt/slides/slide40.xml><?xml version="1.0" encoding="utf-8"?>
+<p:sld xmlns:a="http://schemas.openxmlformats.org/drawingml/2006/main" xmlns:r="http://schemas.openxmlformats.org/officeDocument/2006/relationships" xmlns:p="http://schemas.openxmlformats.org/presentationml/2006/main">
+  <p:cSld>
+    <p:spTree>
+      <p:nvGrpSpPr>
+        <p:cNvPr id="1" name=""/>
+        <p:cNvGrpSpPr/>
+        <p:nvPr/>
+      </p:nvGrpSpPr>
+      <p:grpSpPr>
+        <a:xfrm>
+          <a:off x="0" y="0"/>
+          <a:ext cx="0" cy="0"/>
+          <a:chOff x="0" y="0"/>
+          <a:chExt cx="0" cy="0"/>
+        </a:xfrm>
+      </p:grpSpPr>
+      <p:sp>
+        <p:nvSpPr>
+          <p:cNvPr id="2" name="Title 1"/>
+          <p:cNvSpPr>
+            <a:spLocks noGrp="1"/>
+          </p:cNvSpPr>
+          <p:nvPr>
+            <p:ph type="title"/>
+          </p:nvPr>
+        </p:nvSpPr>
+        <p:spPr/>
+        <p:txBody>
+          <a:bodyPr/>
+          <a:lstStyle/>
+          <a:p>
+            <a:r>
+              <a:rPr lang="en-US" b="1" dirty="0" err="1">
+                <a:solidFill>
+                  <a:srgbClr val="376092"/>
+                </a:solidFill>
+              </a:rPr>
+              <a:t>sed</a:t>
+            </a:r>
+            <a:r>
+              <a:rPr lang="en-US" dirty="0"/>
+              <a:t> -  a stream editor used for modifying files in </a:t>
+            </a:r>
+            <a:r>
+              <a:rPr lang="en-US" dirty="0" err="1"/>
+              <a:t>unix</a:t>
+            </a:r>
+            <a:endParaRPr lang="en-US" dirty="0"/>
+          </a:p>
+        </p:txBody>
+      </p:sp>
+      <p:sp>
+        <p:nvSpPr>
+          <p:cNvPr id="3" name="Content Placeholder 2"/>
+          <p:cNvSpPr>
+            <a:spLocks noGrp="1"/>
+          </p:cNvSpPr>
+          <p:nvPr>
+            <p:ph idx="1"/>
+          </p:nvPr>
+        </p:nvSpPr>
+        <p:spPr>
+          <a:xfrm>
             <a:off x="3134831" y="1117383"/>
             <a:ext cx="6146800" cy="3649880"/>
           </a:xfrm>
@@ -22487,7 +22976,7 @@
           <a:p>
             <a:fld id="{9DA039C4-C5F2-1743-BB7A-5D831266C61E}" type="slidenum">
               <a:rPr lang="en-US" smtClean="0"/>
-              <a:t>39</a:t>
+              <a:t>40</a:t>
             </a:fld>
             <a:endParaRPr lang="en-US"/>
           </a:p>
@@ -22733,383 +23222,7 @@
 </p:sld>
 </file>
 
-<file path=ppt/slides/slide4.xml><?xml version="1.0" encoding="utf-8"?>
-<p:sld xmlns:a="http://schemas.openxmlformats.org/drawingml/2006/main" xmlns:r="http://schemas.openxmlformats.org/officeDocument/2006/relationships" xmlns:p="http://schemas.openxmlformats.org/presentationml/2006/main">
-  <p:cSld>
-    <p:spTree>
-      <p:nvGrpSpPr>
-        <p:cNvPr id="1" name="">
-          <a:extLst>
-            <a:ext uri="{FF2B5EF4-FFF2-40B4-BE49-F238E27FC236}">
-              <a16:creationId xmlns:a16="http://schemas.microsoft.com/office/drawing/2014/main" id="{8F72316C-9103-5354-569A-974BD7A32934}"/>
-            </a:ext>
-          </a:extLst>
-        </p:cNvPr>
-        <p:cNvGrpSpPr/>
-        <p:nvPr/>
-      </p:nvGrpSpPr>
-      <p:grpSpPr>
-        <a:xfrm>
-          <a:off x="0" y="0"/>
-          <a:ext cx="0" cy="0"/>
-          <a:chOff x="0" y="0"/>
-          <a:chExt cx="0" cy="0"/>
-        </a:xfrm>
-      </p:grpSpPr>
-      <p:sp>
-        <p:nvSpPr>
-          <p:cNvPr id="2" name="Title 1">
-            <a:extLst>
-              <a:ext uri="{FF2B5EF4-FFF2-40B4-BE49-F238E27FC236}">
-                <a16:creationId xmlns:a16="http://schemas.microsoft.com/office/drawing/2014/main" id="{41C23A6C-2CCE-0E78-8913-53C9476DCBF2}"/>
-              </a:ext>
-            </a:extLst>
-          </p:cNvPr>
-          <p:cNvSpPr>
-            <a:spLocks noGrp="1"/>
-          </p:cNvSpPr>
-          <p:nvPr>
-            <p:ph type="title"/>
-          </p:nvPr>
-        </p:nvSpPr>
-        <p:spPr/>
-        <p:txBody>
-          <a:bodyPr/>
-          <a:lstStyle/>
-          <a:p>
-            <a:r>
-              <a:rPr lang="en-US" dirty="0"/>
-              <a:t>Regular expression</a:t>
-            </a:r>
-          </a:p>
-        </p:txBody>
-      </p:sp>
-      <p:sp>
-        <p:nvSpPr>
-          <p:cNvPr id="8" name="TextBox 7">
-            <a:extLst>
-              <a:ext uri="{FF2B5EF4-FFF2-40B4-BE49-F238E27FC236}">
-                <a16:creationId xmlns:a16="http://schemas.microsoft.com/office/drawing/2014/main" id="{A747A857-AB6F-D5F6-8DED-68E8AC71A1BF}"/>
-              </a:ext>
-            </a:extLst>
-          </p:cNvPr>
-          <p:cNvSpPr txBox="1"/>
-          <p:nvPr/>
-        </p:nvSpPr>
-        <p:spPr>
-          <a:xfrm>
-            <a:off x="590221" y="1157463"/>
-            <a:ext cx="2720704" cy="415498"/>
-          </a:xfrm>
-          <a:prstGeom prst="rect">
-            <a:avLst/>
-          </a:prstGeom>
-          <a:solidFill>
-            <a:schemeClr val="accent5">
-              <a:lumMod val="20000"/>
-              <a:lumOff val="80000"/>
-            </a:schemeClr>
-          </a:solidFill>
-        </p:spPr>
-        <p:txBody>
-          <a:bodyPr wrap="square" rtlCol="0">
-            <a:spAutoFit/>
-          </a:bodyPr>
-          <a:lstStyle/>
-          <a:p>
-            <a:pPr>
-              <a:lnSpc>
-                <a:spcPct val="120000"/>
-              </a:lnSpc>
-            </a:pPr>
-            <a:r>
-              <a:rPr lang="en-US" b="1" dirty="0">
-                <a:solidFill>
-                  <a:srgbClr val="17375E"/>
-                </a:solidFill>
-              </a:rPr>
-              <a:t>[A-Z]</a:t>
-            </a:r>
-            <a:r>
-              <a:rPr lang="en-US" dirty="0"/>
-              <a:t>  : any single letter</a:t>
-            </a:r>
-          </a:p>
-        </p:txBody>
-      </p:sp>
-      <p:pic>
-        <p:nvPicPr>
-          <p:cNvPr id="11" name="Picture 10">
-            <a:extLst>
-              <a:ext uri="{FF2B5EF4-FFF2-40B4-BE49-F238E27FC236}">
-                <a16:creationId xmlns:a16="http://schemas.microsoft.com/office/drawing/2014/main" id="{11553FDD-0824-1C15-6230-75699D1E9C55}"/>
-              </a:ext>
-            </a:extLst>
-          </p:cNvPr>
-          <p:cNvPicPr>
-            <a:picLocks noChangeAspect="1"/>
-          </p:cNvPicPr>
-          <p:nvPr/>
-        </p:nvPicPr>
-        <p:blipFill>
-          <a:blip r:embed="rId3"/>
-          <a:stretch>
-            <a:fillRect/>
-          </a:stretch>
-        </p:blipFill>
-        <p:spPr>
-          <a:xfrm>
-            <a:off x="590221" y="2031971"/>
-            <a:ext cx="2198160" cy="567267"/>
-          </a:xfrm>
-          <a:prstGeom prst="rect">
-            <a:avLst/>
-          </a:prstGeom>
-        </p:spPr>
-      </p:pic>
-      <p:sp>
-        <p:nvSpPr>
-          <p:cNvPr id="12" name="TextBox 11">
-            <a:extLst>
-              <a:ext uri="{FF2B5EF4-FFF2-40B4-BE49-F238E27FC236}">
-                <a16:creationId xmlns:a16="http://schemas.microsoft.com/office/drawing/2014/main" id="{C9DD1914-72FC-D766-5EAD-A436B5AF1FF5}"/>
-              </a:ext>
-            </a:extLst>
-          </p:cNvPr>
-          <p:cNvSpPr txBox="1"/>
-          <p:nvPr/>
-        </p:nvSpPr>
-        <p:spPr>
-          <a:xfrm>
-            <a:off x="1276549" y="2571967"/>
-            <a:ext cx="742962" cy="461665"/>
-          </a:xfrm>
-          <a:prstGeom prst="rect">
-            <a:avLst/>
-          </a:prstGeom>
-          <a:noFill/>
-        </p:spPr>
-        <p:txBody>
-          <a:bodyPr wrap="none" rtlCol="0">
-            <a:spAutoFit/>
-          </a:bodyPr>
-          <a:lstStyle/>
-          <a:p>
-            <a:r>
-              <a:rPr lang="en-US" sz="2400" dirty="0" err="1"/>
-              <a:t>NspI</a:t>
-            </a:r>
-            <a:endParaRPr lang="en-US" sz="2400" dirty="0"/>
-          </a:p>
-        </p:txBody>
-      </p:sp>
-      <p:sp>
-        <p:nvSpPr>
-          <p:cNvPr id="13" name="TextBox 12">
-            <a:extLst>
-              <a:ext uri="{FF2B5EF4-FFF2-40B4-BE49-F238E27FC236}">
-                <a16:creationId xmlns:a16="http://schemas.microsoft.com/office/drawing/2014/main" id="{1F6D76B7-1D2A-6E24-F3BF-E5A6E20BF744}"/>
-              </a:ext>
-            </a:extLst>
-          </p:cNvPr>
-          <p:cNvSpPr txBox="1"/>
-          <p:nvPr/>
-        </p:nvSpPr>
-        <p:spPr>
-          <a:xfrm>
-            <a:off x="3017900" y="2023215"/>
-            <a:ext cx="2518237" cy="584776"/>
-          </a:xfrm>
-          <a:prstGeom prst="rect">
-            <a:avLst/>
-          </a:prstGeom>
-          <a:noFill/>
-        </p:spPr>
-        <p:txBody>
-          <a:bodyPr wrap="none" rtlCol="0">
-            <a:spAutoFit/>
-          </a:bodyPr>
-          <a:lstStyle/>
-          <a:p>
-            <a:r>
-              <a:rPr lang="en-US" sz="3200" dirty="0"/>
-              <a:t>[AG]CATG[CT]</a:t>
-            </a:r>
-          </a:p>
-        </p:txBody>
-      </p:sp>
-      <p:sp>
-        <p:nvSpPr>
-          <p:cNvPr id="5" name="TextBox 4">
-            <a:extLst>
-              <a:ext uri="{FF2B5EF4-FFF2-40B4-BE49-F238E27FC236}">
-                <a16:creationId xmlns:a16="http://schemas.microsoft.com/office/drawing/2014/main" id="{95AB84F6-8590-23FA-73E6-D448830F9EBC}"/>
-              </a:ext>
-            </a:extLst>
-          </p:cNvPr>
-          <p:cNvSpPr txBox="1"/>
-          <p:nvPr/>
-        </p:nvSpPr>
-        <p:spPr>
-          <a:xfrm>
-            <a:off x="6197044" y="767722"/>
-            <a:ext cx="2356735" cy="4247317"/>
-          </a:xfrm>
-          <a:prstGeom prst="rect">
-            <a:avLst/>
-          </a:prstGeom>
-          <a:noFill/>
-        </p:spPr>
-        <p:txBody>
-          <a:bodyPr wrap="none" rtlCol="0">
-            <a:spAutoFit/>
-          </a:bodyPr>
-          <a:lstStyle/>
-          <a:p>
-            <a:r>
-              <a:rPr lang="en-US" dirty="0"/>
-              <a:t>A	Adenine	A</a:t>
-            </a:r>
-          </a:p>
-          <a:p>
-            <a:r>
-              <a:rPr lang="en-US" dirty="0"/>
-              <a:t>C	Cytosine	C</a:t>
-            </a:r>
-          </a:p>
-          <a:p>
-            <a:r>
-              <a:rPr lang="en-US" dirty="0"/>
-              <a:t>G	Guanine	G</a:t>
-            </a:r>
-          </a:p>
-          <a:p>
-            <a:r>
-              <a:rPr lang="en-US" dirty="0"/>
-              <a:t>T	Thymine T</a:t>
-            </a:r>
-          </a:p>
-          <a:p>
-            <a:r>
-              <a:rPr lang="en-US" dirty="0"/>
-              <a:t>W	Weak	A/T</a:t>
-            </a:r>
-          </a:p>
-          <a:p>
-            <a:r>
-              <a:rPr lang="en-US" dirty="0"/>
-              <a:t>S	Strong	C/G</a:t>
-            </a:r>
-          </a:p>
-          <a:p>
-            <a:r>
-              <a:rPr lang="en-US" dirty="0"/>
-              <a:t>M	Amino	A/C</a:t>
-            </a:r>
-          </a:p>
-          <a:p>
-            <a:r>
-              <a:rPr lang="en-US" dirty="0"/>
-              <a:t>K	Keto	G/T</a:t>
-            </a:r>
-          </a:p>
-          <a:p>
-            <a:r>
-              <a:rPr lang="en-US" dirty="0"/>
-              <a:t>R	Purine	A/G</a:t>
-            </a:r>
-          </a:p>
-          <a:p>
-            <a:r>
-              <a:rPr lang="en-US" dirty="0"/>
-              <a:t>Y	Pyrimidine	C/T</a:t>
-            </a:r>
-          </a:p>
-          <a:p>
-            <a:r>
-              <a:rPr lang="en-US" dirty="0"/>
-              <a:t>B	Not A	C/G/T</a:t>
-            </a:r>
-          </a:p>
-          <a:p>
-            <a:r>
-              <a:rPr lang="en-US" dirty="0"/>
-              <a:t>D	Not C	A/G/T</a:t>
-            </a:r>
-          </a:p>
-          <a:p>
-            <a:r>
-              <a:rPr lang="en-US" dirty="0"/>
-              <a:t>H	Not G	A/C/T</a:t>
-            </a:r>
-          </a:p>
-          <a:p>
-            <a:r>
-              <a:rPr lang="en-US" dirty="0"/>
-              <a:t>V	Not T	A/C/G</a:t>
-            </a:r>
-          </a:p>
-          <a:p>
-            <a:r>
-              <a:rPr lang="en-US" dirty="0"/>
-              <a:t>N	Any	A/C/G/T</a:t>
-            </a:r>
-          </a:p>
-        </p:txBody>
-      </p:sp>
-      <p:sp>
-        <p:nvSpPr>
-          <p:cNvPr id="6" name="TextBox 5">
-            <a:extLst>
-              <a:ext uri="{FF2B5EF4-FFF2-40B4-BE49-F238E27FC236}">
-                <a16:creationId xmlns:a16="http://schemas.microsoft.com/office/drawing/2014/main" id="{F801517F-C517-B8B1-D58D-17D5B0B85249}"/>
-              </a:ext>
-            </a:extLst>
-          </p:cNvPr>
-          <p:cNvSpPr txBox="1"/>
-          <p:nvPr/>
-        </p:nvSpPr>
-        <p:spPr>
-          <a:xfrm>
-            <a:off x="179043" y="294143"/>
-            <a:ext cx="856388" cy="369332"/>
-          </a:xfrm>
-          <a:prstGeom prst="rect">
-            <a:avLst/>
-          </a:prstGeom>
-          <a:noFill/>
-        </p:spPr>
-        <p:txBody>
-          <a:bodyPr wrap="none" rtlCol="0">
-            <a:spAutoFit/>
-          </a:bodyPr>
-          <a:lstStyle/>
-          <a:p>
-            <a:r>
-              <a:rPr lang="en-US" dirty="0">
-                <a:highlight>
-                  <a:srgbClr val="FFFF00"/>
-                </a:highlight>
-              </a:rPr>
-              <a:t>Review</a:t>
-            </a:r>
-          </a:p>
-        </p:txBody>
-      </p:sp>
-    </p:spTree>
-    <p:extLst>
-      <p:ext uri="{BB962C8B-B14F-4D97-AF65-F5344CB8AC3E}">
-        <p14:creationId xmlns:p14="http://schemas.microsoft.com/office/powerpoint/2010/main" val="1054789750"/>
-      </p:ext>
-    </p:extLst>
-  </p:cSld>
-  <p:clrMapOvr>
-    <a:masterClrMapping/>
-  </p:clrMapOvr>
-</p:sld>
-</file>
-
-<file path=ppt/slides/slide40.xml><?xml version="1.0" encoding="utf-8"?>
+<file path=ppt/slides/slide41.xml><?xml version="1.0" encoding="utf-8"?>
 <p:sld xmlns:a="http://schemas.openxmlformats.org/drawingml/2006/main" xmlns:r="http://schemas.openxmlformats.org/officeDocument/2006/relationships" xmlns:p="http://schemas.openxmlformats.org/presentationml/2006/main">
   <p:cSld>
     <p:spTree>
@@ -23316,7 +23429,7 @@
           <a:p>
             <a:fld id="{9DA039C4-C5F2-1743-BB7A-5D831266C61E}" type="slidenum">
               <a:rPr lang="en-US" smtClean="0"/>
-              <a:t>40</a:t>
+              <a:t>41</a:t>
             </a:fld>
             <a:endParaRPr lang="en-US"/>
           </a:p>
@@ -23382,7 +23495,7 @@
 </p:sld>
 </file>
 
-<file path=ppt/slides/slide41.xml><?xml version="1.0" encoding="utf-8"?>
+<file path=ppt/slides/slide42.xml><?xml version="1.0" encoding="utf-8"?>
 <p:sld xmlns:a="http://schemas.openxmlformats.org/drawingml/2006/main" xmlns:r="http://schemas.openxmlformats.org/officeDocument/2006/relationships" xmlns:p="http://schemas.openxmlformats.org/presentationml/2006/main">
   <p:cSld>
     <p:spTree>
@@ -23442,7 +23555,7 @@
           <a:p>
             <a:fld id="{9DA039C4-C5F2-1743-BB7A-5D831266C61E}" type="slidenum">
               <a:rPr lang="en-US" smtClean="0"/>
-              <a:t>41</a:t>
+              <a:t>42</a:t>
             </a:fld>
             <a:endParaRPr lang="en-US"/>
           </a:p>
@@ -23508,7 +23621,7 @@
 </p:sld>
 </file>
 
-<file path=ppt/slides/slide42.xml><?xml version="1.0" encoding="utf-8"?>
+<file path=ppt/slides/slide43.xml><?xml version="1.0" encoding="utf-8"?>
 <p:sld xmlns:a="http://schemas.openxmlformats.org/drawingml/2006/main" xmlns:r="http://schemas.openxmlformats.org/officeDocument/2006/relationships" xmlns:p="http://schemas.openxmlformats.org/presentationml/2006/main">
   <p:cSld>
     <p:spTree>
@@ -23543,7 +23656,7 @@
             <a:fld id="{25398D95-D846-E74D-ACA6-9AE50441329D}" type="slidenum">
               <a:rPr lang="en-US"/>
               <a:pPr/>
-              <a:t>42</a:t>
+              <a:t>43</a:t>
             </a:fld>
             <a:endParaRPr lang="en-US"/>
           </a:p>
@@ -23782,166 +23895,6 @@
 </p:sld>
 </file>
 
-<file path=ppt/slides/slide43.xml><?xml version="1.0" encoding="utf-8"?>
-<p:sld xmlns:a="http://schemas.openxmlformats.org/drawingml/2006/main" xmlns:r="http://schemas.openxmlformats.org/officeDocument/2006/relationships" xmlns:p="http://schemas.openxmlformats.org/presentationml/2006/main">
-  <p:cSld>
-    <p:spTree>
-      <p:nvGrpSpPr>
-        <p:cNvPr id="1" name=""/>
-        <p:cNvGrpSpPr/>
-        <p:nvPr/>
-      </p:nvGrpSpPr>
-      <p:grpSpPr>
-        <a:xfrm>
-          <a:off x="0" y="0"/>
-          <a:ext cx="0" cy="0"/>
-          <a:chOff x="0" y="0"/>
-          <a:chExt cx="0" cy="0"/>
-        </a:xfrm>
-      </p:grpSpPr>
-      <p:sp>
-        <p:nvSpPr>
-          <p:cNvPr id="6" name="Slide Number Placeholder 5"/>
-          <p:cNvSpPr>
-            <a:spLocks noGrp="1"/>
-          </p:cNvSpPr>
-          <p:nvPr>
-            <p:ph type="sldNum" sz="quarter" idx="12"/>
-          </p:nvPr>
-        </p:nvSpPr>
-        <p:spPr/>
-        <p:txBody>
-          <a:bodyPr/>
-          <a:lstStyle/>
-          <a:p>
-            <a:fld id="{03BC734D-F102-F341-898A-E4A99792BBD6}" type="slidenum">
-              <a:rPr lang="en-US"/>
-              <a:pPr/>
-              <a:t>43</a:t>
-            </a:fld>
-            <a:endParaRPr lang="en-US"/>
-          </a:p>
-        </p:txBody>
-      </p:sp>
-      <p:sp>
-        <p:nvSpPr>
-          <p:cNvPr id="29698" name="Rectangle 2"/>
-          <p:cNvSpPr>
-            <a:spLocks noGrp="1" noChangeArrowheads="1"/>
-          </p:cNvSpPr>
-          <p:nvPr>
-            <p:ph type="title"/>
-          </p:nvPr>
-        </p:nvSpPr>
-        <p:spPr>
-          <a:xfrm>
-            <a:off x="457200" y="288425"/>
-            <a:ext cx="8229600" cy="579740"/>
-          </a:xfrm>
-        </p:spPr>
-        <p:txBody>
-          <a:bodyPr/>
-          <a:lstStyle/>
-          <a:p>
-            <a:r>
-              <a:rPr lang="en-US" dirty="0"/>
-              <a:t>h</a:t>
-            </a:r>
-            <a:r>
-              <a:rPr lang="en-US" dirty="0">
-                <a:latin typeface="+mj-lt"/>
-              </a:rPr>
-              <a:t>istory, clear</a:t>
-            </a:r>
-          </a:p>
-        </p:txBody>
-      </p:sp>
-      <p:sp>
-        <p:nvSpPr>
-          <p:cNvPr id="29699" name="Rectangle 3"/>
-          <p:cNvSpPr>
-            <a:spLocks noGrp="1" noChangeArrowheads="1"/>
-          </p:cNvSpPr>
-          <p:nvPr>
-            <p:ph type="body" idx="1"/>
-          </p:nvPr>
-        </p:nvSpPr>
-        <p:spPr>
-          <a:xfrm>
-            <a:off x="1346568" y="1181948"/>
-            <a:ext cx="6938349" cy="2779604"/>
-          </a:xfrm>
-        </p:spPr>
-        <p:txBody>
-          <a:bodyPr/>
-          <a:lstStyle/>
-          <a:p>
-            <a:r>
-              <a:rPr lang="en-US" b="1" dirty="0">
-                <a:solidFill>
-                  <a:srgbClr val="17375E"/>
-                </a:solidFill>
-              </a:rPr>
-              <a:t>history</a:t>
-            </a:r>
-            <a:r>
-              <a:rPr lang="en-US" dirty="0"/>
-              <a:t> - document of command lines</a:t>
-            </a:r>
-          </a:p>
-          <a:p>
-            <a:pPr marL="0" indent="0">
-              <a:buNone/>
-            </a:pPr>
-            <a:r>
-              <a:rPr lang="en-US" dirty="0"/>
-              <a:t>history</a:t>
-            </a:r>
-          </a:p>
-          <a:p>
-            <a:pPr marL="0" indent="0">
-              <a:buNone/>
-            </a:pPr>
-            <a:endParaRPr lang="en-US" dirty="0"/>
-          </a:p>
-          <a:p>
-            <a:r>
-              <a:rPr lang="en-US" b="1" dirty="0">
-                <a:solidFill>
-                  <a:srgbClr val="17375E"/>
-                </a:solidFill>
-              </a:rPr>
-              <a:t>clear</a:t>
-            </a:r>
-            <a:r>
-              <a:rPr lang="en-US" dirty="0"/>
-              <a:t> - clear the terminal screen</a:t>
-            </a:r>
-          </a:p>
-          <a:p>
-            <a:pPr marL="0" indent="0">
-              <a:buNone/>
-            </a:pPr>
-            <a:r>
-              <a:rPr lang="en-US" dirty="0"/>
-              <a:t>clear</a:t>
-            </a:r>
-          </a:p>
-        </p:txBody>
-      </p:sp>
-    </p:spTree>
-    <p:extLst>
-      <p:ext uri="{BB962C8B-B14F-4D97-AF65-F5344CB8AC3E}">
-        <p14:creationId xmlns:p14="http://schemas.microsoft.com/office/powerpoint/2010/main" val="2826232650"/>
-      </p:ext>
-    </p:extLst>
-  </p:cSld>
-  <p:clrMapOvr>
-    <a:masterClrMapping/>
-  </p:clrMapOvr>
-</p:sld>
-</file>
-
 <file path=ppt/slides/slide44.xml><?xml version="1.0" encoding="utf-8"?>
 <p:sld xmlns:a="http://schemas.openxmlformats.org/drawingml/2006/main" xmlns:r="http://schemas.openxmlformats.org/officeDocument/2006/relationships" xmlns:p="http://schemas.openxmlformats.org/presentationml/2006/main">
   <p:cSld>
@@ -23974,10 +23927,170 @@
           <a:bodyPr/>
           <a:lstStyle/>
           <a:p>
+            <a:fld id="{03BC734D-F102-F341-898A-E4A99792BBD6}" type="slidenum">
+              <a:rPr lang="en-US"/>
+              <a:pPr/>
+              <a:t>44</a:t>
+            </a:fld>
+            <a:endParaRPr lang="en-US"/>
+          </a:p>
+        </p:txBody>
+      </p:sp>
+      <p:sp>
+        <p:nvSpPr>
+          <p:cNvPr id="29698" name="Rectangle 2"/>
+          <p:cNvSpPr>
+            <a:spLocks noGrp="1" noChangeArrowheads="1"/>
+          </p:cNvSpPr>
+          <p:nvPr>
+            <p:ph type="title"/>
+          </p:nvPr>
+        </p:nvSpPr>
+        <p:spPr>
+          <a:xfrm>
+            <a:off x="457200" y="288425"/>
+            <a:ext cx="8229600" cy="579740"/>
+          </a:xfrm>
+        </p:spPr>
+        <p:txBody>
+          <a:bodyPr/>
+          <a:lstStyle/>
+          <a:p>
+            <a:r>
+              <a:rPr lang="en-US" dirty="0"/>
+              <a:t>h</a:t>
+            </a:r>
+            <a:r>
+              <a:rPr lang="en-US" dirty="0">
+                <a:latin typeface="+mj-lt"/>
+              </a:rPr>
+              <a:t>istory, clear</a:t>
+            </a:r>
+          </a:p>
+        </p:txBody>
+      </p:sp>
+      <p:sp>
+        <p:nvSpPr>
+          <p:cNvPr id="29699" name="Rectangle 3"/>
+          <p:cNvSpPr>
+            <a:spLocks noGrp="1" noChangeArrowheads="1"/>
+          </p:cNvSpPr>
+          <p:nvPr>
+            <p:ph type="body" idx="1"/>
+          </p:nvPr>
+        </p:nvSpPr>
+        <p:spPr>
+          <a:xfrm>
+            <a:off x="1346568" y="1181948"/>
+            <a:ext cx="6938349" cy="2779604"/>
+          </a:xfrm>
+        </p:spPr>
+        <p:txBody>
+          <a:bodyPr/>
+          <a:lstStyle/>
+          <a:p>
+            <a:r>
+              <a:rPr lang="en-US" b="1" dirty="0">
+                <a:solidFill>
+                  <a:srgbClr val="17375E"/>
+                </a:solidFill>
+              </a:rPr>
+              <a:t>history</a:t>
+            </a:r>
+            <a:r>
+              <a:rPr lang="en-US" dirty="0"/>
+              <a:t> - document of command lines</a:t>
+            </a:r>
+          </a:p>
+          <a:p>
+            <a:pPr marL="0" indent="0">
+              <a:buNone/>
+            </a:pPr>
+            <a:r>
+              <a:rPr lang="en-US" dirty="0"/>
+              <a:t>history</a:t>
+            </a:r>
+          </a:p>
+          <a:p>
+            <a:pPr marL="0" indent="0">
+              <a:buNone/>
+            </a:pPr>
+            <a:endParaRPr lang="en-US" dirty="0"/>
+          </a:p>
+          <a:p>
+            <a:r>
+              <a:rPr lang="en-US" b="1" dirty="0">
+                <a:solidFill>
+                  <a:srgbClr val="17375E"/>
+                </a:solidFill>
+              </a:rPr>
+              <a:t>clear</a:t>
+            </a:r>
+            <a:r>
+              <a:rPr lang="en-US" dirty="0"/>
+              <a:t> - clear the terminal screen</a:t>
+            </a:r>
+          </a:p>
+          <a:p>
+            <a:pPr marL="0" indent="0">
+              <a:buNone/>
+            </a:pPr>
+            <a:r>
+              <a:rPr lang="en-US" dirty="0"/>
+              <a:t>clear</a:t>
+            </a:r>
+          </a:p>
+        </p:txBody>
+      </p:sp>
+    </p:spTree>
+    <p:extLst>
+      <p:ext uri="{BB962C8B-B14F-4D97-AF65-F5344CB8AC3E}">
+        <p14:creationId xmlns:p14="http://schemas.microsoft.com/office/powerpoint/2010/main" val="2826232650"/>
+      </p:ext>
+    </p:extLst>
+  </p:cSld>
+  <p:clrMapOvr>
+    <a:masterClrMapping/>
+  </p:clrMapOvr>
+</p:sld>
+</file>
+
+<file path=ppt/slides/slide45.xml><?xml version="1.0" encoding="utf-8"?>
+<p:sld xmlns:a="http://schemas.openxmlformats.org/drawingml/2006/main" xmlns:r="http://schemas.openxmlformats.org/officeDocument/2006/relationships" xmlns:p="http://schemas.openxmlformats.org/presentationml/2006/main">
+  <p:cSld>
+    <p:spTree>
+      <p:nvGrpSpPr>
+        <p:cNvPr id="1" name=""/>
+        <p:cNvGrpSpPr/>
+        <p:nvPr/>
+      </p:nvGrpSpPr>
+      <p:grpSpPr>
+        <a:xfrm>
+          <a:off x="0" y="0"/>
+          <a:ext cx="0" cy="0"/>
+          <a:chOff x="0" y="0"/>
+          <a:chExt cx="0" cy="0"/>
+        </a:xfrm>
+      </p:grpSpPr>
+      <p:sp>
+        <p:nvSpPr>
+          <p:cNvPr id="6" name="Slide Number Placeholder 5"/>
+          <p:cNvSpPr>
+            <a:spLocks noGrp="1"/>
+          </p:cNvSpPr>
+          <p:nvPr>
+            <p:ph type="sldNum" sz="quarter" idx="12"/>
+          </p:nvPr>
+        </p:nvSpPr>
+        <p:spPr/>
+        <p:txBody>
+          <a:bodyPr/>
+          <a:lstStyle/>
+          <a:p>
             <a:fld id="{8467816C-81CD-8D44-B314-D09829FFD154}" type="slidenum">
               <a:rPr lang="en-US"/>
               <a:pPr/>
-              <a:t>44</a:t>
+              <a:t>45</a:t>
             </a:fld>
             <a:endParaRPr lang="en-US"/>
           </a:p>

--- a/PLPTH813Bioinformatis/2025/1_lecture/lecture02_unix.pptx
+++ b/PLPTH813Bioinformatis/2025/1_lecture/lecture02_unix.pptx
@@ -255,7 +255,7 @@
           <a:p>
             <a:fld id="{6F0533A7-41C2-DA45-995B-C61EE58338CA}" type="datetimeFigureOut">
               <a:rPr lang="en-US" smtClean="0"/>
-              <a:t>1/23/25</a:t>
+              <a:t>1/27/25</a:t>
             </a:fld>
             <a:endParaRPr lang="en-US"/>
           </a:p>
@@ -421,7 +421,7 @@
           <a:p>
             <a:fld id="{1B04314A-152B-0643-AE11-65184E823C85}" type="datetimeFigureOut">
               <a:rPr lang="en-US" smtClean="0"/>
-              <a:t>1/23/25</a:t>
+              <a:t>1/27/25</a:t>
             </a:fld>
             <a:endParaRPr lang="en-US"/>
           </a:p>
@@ -1599,7 +1599,7 @@
           <a:ln/>
           <a:extLst>
             <a:ext uri="{FAA26D3D-D897-4be2-8F04-BA451C77F1D7}">
-              <ma14:placeholderFlag xmlns:ma14="http://schemas.microsoft.com/office/mac/drawingml/2011/main" xmlns="" val="1"/>
+              <ma14:placeholderFlag xmlns="" xmlns:ma14="http://schemas.microsoft.com/office/mac/drawingml/2011/main" val="1"/>
             </a:ext>
           </a:extLst>
         </p:spPr>
@@ -1781,7 +1781,7 @@
           <a:ln/>
           <a:extLst>
             <a:ext uri="{FAA26D3D-D897-4be2-8F04-BA451C77F1D7}">
-              <ma14:placeholderFlag xmlns:ma14="http://schemas.microsoft.com/office/mac/drawingml/2011/main" xmlns="" val="1"/>
+              <ma14:placeholderFlag xmlns="" xmlns:ma14="http://schemas.microsoft.com/office/mac/drawingml/2011/main" val="1"/>
             </a:ext>
           </a:extLst>
         </p:spPr>
@@ -2091,7 +2091,7 @@
           <a:p>
             <a:fld id="{BB18E608-D3BE-4F4A-BE63-C3FEFDA4D158}" type="datetime1">
               <a:rPr lang="en-US" smtClean="0"/>
-              <a:t>1/23/25</a:t>
+              <a:t>1/27/25</a:t>
             </a:fld>
             <a:endParaRPr lang="en-US"/>
           </a:p>
@@ -2259,7 +2259,7 @@
           <a:p>
             <a:fld id="{DBC13445-452C-9441-AD30-FC1E791CAB10}" type="datetime1">
               <a:rPr lang="en-US" smtClean="0"/>
-              <a:t>1/23/25</a:t>
+              <a:t>1/27/25</a:t>
             </a:fld>
             <a:endParaRPr lang="en-US"/>
           </a:p>
@@ -2437,7 +2437,7 @@
           <a:p>
             <a:fld id="{F12E9FF6-F576-DB43-8D2C-3C9AA1C299AB}" type="datetime1">
               <a:rPr lang="en-US" smtClean="0"/>
-              <a:t>1/23/25</a:t>
+              <a:t>1/27/25</a:t>
             </a:fld>
             <a:endParaRPr lang="en-US"/>
           </a:p>
@@ -2605,7 +2605,7 @@
           <a:p>
             <a:fld id="{692B01CD-C82F-CC4F-BA37-FCE936C34E3C}" type="datetime1">
               <a:rPr lang="en-US" smtClean="0"/>
-              <a:t>1/23/25</a:t>
+              <a:t>1/27/25</a:t>
             </a:fld>
             <a:endParaRPr lang="en-US"/>
           </a:p>
@@ -2850,7 +2850,7 @@
           <a:p>
             <a:fld id="{A6E434D0-F31A-9544-8AC3-533C5051D41C}" type="datetime1">
               <a:rPr lang="en-US" smtClean="0"/>
-              <a:t>1/23/25</a:t>
+              <a:t>1/27/25</a:t>
             </a:fld>
             <a:endParaRPr lang="en-US"/>
           </a:p>
@@ -3135,7 +3135,7 @@
           <a:p>
             <a:fld id="{BFBF75C0-5A2F-2C43-B7B5-249F92FC0AE5}" type="datetime1">
               <a:rPr lang="en-US" smtClean="0"/>
-              <a:t>1/23/25</a:t>
+              <a:t>1/27/25</a:t>
             </a:fld>
             <a:endParaRPr lang="en-US"/>
           </a:p>
@@ -3554,7 +3554,7 @@
           <a:p>
             <a:fld id="{4783BAB0-87E2-1243-A738-54675A18E356}" type="datetime1">
               <a:rPr lang="en-US" smtClean="0"/>
-              <a:t>1/23/25</a:t>
+              <a:t>1/27/25</a:t>
             </a:fld>
             <a:endParaRPr lang="en-US"/>
           </a:p>
@@ -3671,7 +3671,7 @@
           <a:p>
             <a:fld id="{D3E2C62A-7EA4-644C-868F-EDC4B9012046}" type="datetime1">
               <a:rPr lang="en-US" smtClean="0"/>
-              <a:t>1/23/25</a:t>
+              <a:t>1/27/25</a:t>
             </a:fld>
             <a:endParaRPr lang="en-US"/>
           </a:p>
@@ -3766,7 +3766,7 @@
           <a:p>
             <a:fld id="{8D19949F-6253-4941-ABF0-87ABC58AA7F7}" type="datetime1">
               <a:rPr lang="en-US" smtClean="0"/>
-              <a:t>1/23/25</a:t>
+              <a:t>1/27/25</a:t>
             </a:fld>
             <a:endParaRPr lang="en-US"/>
           </a:p>
@@ -4041,7 +4041,7 @@
           <a:p>
             <a:fld id="{2EA904F2-098D-714E-B5C4-EFC0DC4669BD}" type="datetime1">
               <a:rPr lang="en-US" smtClean="0"/>
-              <a:t>1/23/25</a:t>
+              <a:t>1/27/25</a:t>
             </a:fld>
             <a:endParaRPr lang="en-US"/>
           </a:p>
@@ -4293,7 +4293,7 @@
           <a:p>
             <a:fld id="{BAC30565-FF28-204A-ABB7-570A3207DE07}" type="datetime1">
               <a:rPr lang="en-US" smtClean="0"/>
-              <a:t>1/23/25</a:t>
+              <a:t>1/27/25</a:t>
             </a:fld>
             <a:endParaRPr lang="en-US"/>
           </a:p>
@@ -4504,7 +4504,7 @@
           <a:p>
             <a:fld id="{5B839166-3640-7D44-A4BA-20887FEAA944}" type="datetime1">
               <a:rPr lang="en-US" smtClean="0"/>
-              <a:t>1/23/25</a:t>
+              <a:t>1/27/25</a:t>
             </a:fld>
             <a:endParaRPr lang="en-US"/>
           </a:p>
